--- a/react/react发展史.pptx
+++ b/react/react发展史.pptx
@@ -7852,51 +7852,9 @@
           </a:p>
         </p:txBody>
       </p:sp>
-      <p:sp>
-        <p:nvSpPr>
-          <p:cNvPr id="7170" name="副标题 7"/>
-          <p:cNvSpPr>
-            <a:spLocks noGrp="1"/>
-          </p:cNvSpPr>
-          <p:nvPr>
-            <p:ph type="subTitle" idx="1"/>
-            <p:custDataLst>
-              <p:tags r:id="rId2"/>
-            </p:custDataLst>
-          </p:nvPr>
-        </p:nvSpPr>
-        <p:spPr>
-          <a:xfrm>
-            <a:off x="6667500" y="5740400"/>
-            <a:ext cx="5435600" cy="503238"/>
-          </a:xfrm>
-        </p:spPr>
-        <p:txBody>
-          <a:bodyPr/>
-          <a:p>
-            <a:pPr marL="0" indent="0" algn="r" eaLnBrk="1" hangingPunct="1">
-              <a:lnSpc>
-                <a:spcPct val="130000"/>
-              </a:lnSpc>
-              <a:spcBef>
-                <a:spcPts val="0"/>
-              </a:spcBef>
-              <a:spcAft>
-                <a:spcPts val="1000"/>
-              </a:spcAft>
-              <a:defRPr/>
-            </a:pPr>
-            <a:r>
-              <a:rPr lang="en-US" altLang="zh-CN" noProof="1"/>
-              <a:t>ethy</a:t>
-            </a:r>
-            <a:endParaRPr lang="en-US" altLang="zh-CN" noProof="1"/>
-          </a:p>
-        </p:txBody>
-      </p:sp>
     </p:spTree>
     <p:custDataLst>
-      <p:tags r:id="rId3"/>
+      <p:tags r:id="rId2"/>
     </p:custDataLst>
   </p:cSld>
   <p:clrMapOvr>
@@ -8171,7 +8129,7 @@
                 <a:latin typeface="微软雅黑" panose="020B0503020204020204" charset="-122"/>
                 <a:cs typeface="微软雅黑" panose="020B0503020204020204" charset="-122"/>
                 <a:sym typeface="Arial" panose="020B0604020202020204" pitchFamily="34" charset="0"/>
-                <a:hlinkClick r:id="rId2" tooltip="" action="ppaction://hlinkfile"/>
+                <a:hlinkClick r:id="rId2" action="ppaction://hlinkfile"/>
               </a:rPr>
               <a:t>React Developer Tools</a:t>
             </a:r>
@@ -8248,7 +8206,7 @@
                 <a:latin typeface="微软雅黑" panose="020B0503020204020204" charset="-122"/>
                 <a:cs typeface="微软雅黑" panose="020B0503020204020204" charset="-122"/>
                 <a:sym typeface="Arial" panose="020B0604020202020204" pitchFamily="34" charset="0"/>
-                <a:hlinkClick r:id="rId3" tooltip=""/>
+                <a:hlinkClick r:id="rId3"/>
               </a:rPr>
               <a:t>合并了 http://ReactiveX.io</a:t>
             </a:r>
@@ -8298,15 +8256,7 @@
                 <a:cs typeface="微软雅黑" panose="020B0503020204020204" charset="-122"/>
                 <a:sym typeface="Arial" panose="020B0604020202020204" pitchFamily="34" charset="0"/>
               </a:rPr>
-              <a:t>实现</a:t>
-            </a:r>
-            <a:r>
-              <a:rPr lang="zh-CN" altLang="en-US" sz="1400">
-                <a:latin typeface="微软雅黑" panose="020B0503020204020204" charset="-122"/>
-                <a:cs typeface="微软雅黑" panose="020B0503020204020204" charset="-122"/>
-                <a:sym typeface="Arial" panose="020B0604020202020204" pitchFamily="34" charset="0"/>
-              </a:rPr>
-              <a:t>）</a:t>
+              <a:t>实现）</a:t>
             </a:r>
             <a:endParaRPr lang="en-US" altLang="zh-CN" sz="1400">
               <a:latin typeface="微软雅黑" panose="020B0503020204020204" charset="-122"/>
@@ -8333,7 +8283,7 @@
                 <a:latin typeface="微软雅黑" panose="020B0503020204020204" charset="-122"/>
                 <a:cs typeface="微软雅黑" panose="020B0503020204020204" charset="-122"/>
                 <a:sym typeface="Arial" panose="020B0604020202020204" pitchFamily="34" charset="0"/>
-                <a:hlinkClick r:id="rId4" tooltip="" action="ppaction://hlinkfile"/>
+                <a:hlinkClick r:id="rId4" action="ppaction://hlinkfile"/>
               </a:rPr>
               <a:t>React Hot Loader</a:t>
             </a:r>
@@ -8406,7 +8356,7 @@
                 <a:latin typeface="微软雅黑" panose="020B0503020204020204" charset="-122"/>
                 <a:cs typeface="微软雅黑" panose="020B0503020204020204" charset="-122"/>
                 <a:sym typeface="Arial" panose="020B0604020202020204" pitchFamily="34" charset="0"/>
-                <a:hlinkClick r:id="rId5" tooltip="" action="ppaction://hlinkfile"/>
+                <a:hlinkClick r:id="rId5" action="ppaction://hlinkfile"/>
               </a:rPr>
               <a:t>PlanOut</a:t>
             </a:r>
@@ -9080,7 +9030,7 @@
                 <a:latin typeface="微软雅黑" panose="020B0503020204020204" charset="-122"/>
                 <a:cs typeface="微软雅黑" panose="020B0503020204020204" charset="-122"/>
                 <a:sym typeface="Arial" panose="020B0604020202020204" pitchFamily="34" charset="0"/>
-                <a:hlinkClick r:id="rId2" tooltip="" action="ppaction://hlinkfile"/>
+                <a:hlinkClick r:id="rId2" action="ppaction://hlinkfile"/>
               </a:rPr>
               <a:t>React Canvas</a:t>
             </a:r>
@@ -9141,7 +9091,7 @@
                 <a:latin typeface="微软雅黑" panose="020B0503020204020204" charset="-122"/>
                 <a:cs typeface="微软雅黑" panose="020B0503020204020204" charset="-122"/>
                 <a:sym typeface="Arial" panose="020B0604020202020204" pitchFamily="34" charset="0"/>
-                <a:hlinkClick r:id="rId3" tooltip="" action="ppaction://hlinkfile"/>
+                <a:hlinkClick r:id="rId3" action="ppaction://hlinkfile"/>
               </a:rPr>
               <a:t>Netflix 拥抱 React</a:t>
             </a:r>
@@ -9149,7 +9099,7 @@
               <a:latin typeface="微软雅黑" panose="020B0503020204020204" charset="-122"/>
               <a:cs typeface="微软雅黑" panose="020B0503020204020204" charset="-122"/>
               <a:sym typeface="Arial" panose="020B0604020202020204" pitchFamily="34" charset="0"/>
-              <a:hlinkClick r:id="rId3" tooltip="" action="ppaction://hlinkfile"/>
+              <a:hlinkClick r:id="rId3" action="ppaction://hlinkfile"/>
             </a:endParaRPr>
           </a:p>
           <a:p>
@@ -9191,7 +9141,7 @@
                 <a:latin typeface="微软雅黑" panose="020B0503020204020204" charset="-122"/>
                 <a:cs typeface="微软雅黑" panose="020B0503020204020204" charset="-122"/>
                 <a:sym typeface="Arial" panose="020B0604020202020204" pitchFamily="34" charset="0"/>
-                <a:hlinkClick r:id="rId4" tooltip="" action="ppaction://hlinkfile"/>
+                <a:hlinkClick r:id="rId4" action="ppaction://hlinkfile"/>
               </a:rPr>
               <a:t>Reactjs Conf</a:t>
             </a:r>
@@ -9208,7 +9158,7 @@
                 <a:latin typeface="微软雅黑" panose="020B0503020204020204" charset="-122"/>
                 <a:cs typeface="微软雅黑" panose="020B0503020204020204" charset="-122"/>
                 <a:sym typeface="Arial" panose="020B0604020202020204" pitchFamily="34" charset="0"/>
-                <a:hlinkClick r:id="rId5" tooltip="" action="ppaction://hlinkfile"/>
+                <a:hlinkClick r:id="rId5" action="ppaction://hlinkfile"/>
               </a:rPr>
               <a:t>第一版React Native</a:t>
             </a:r>
@@ -9216,7 +9166,7 @@
               <a:latin typeface="微软雅黑" panose="020B0503020204020204" charset="-122"/>
               <a:cs typeface="微软雅黑" panose="020B0503020204020204" charset="-122"/>
               <a:sym typeface="Arial" panose="020B0604020202020204" pitchFamily="34" charset="0"/>
-              <a:hlinkClick r:id="rId5" tooltip="" action="ppaction://hlinkfile"/>
+              <a:hlinkClick r:id="rId5" action="ppaction://hlinkfile"/>
             </a:endParaRPr>
           </a:p>
           <a:p>
@@ -9238,7 +9188,7 @@
                 <a:latin typeface="微软雅黑" panose="020B0503020204020204" charset="-122"/>
                 <a:cs typeface="微软雅黑" panose="020B0503020204020204" charset="-122"/>
                 <a:sym typeface="Arial" panose="020B0604020202020204" pitchFamily="34" charset="0"/>
-                <a:hlinkClick r:id="rId6" tooltip="" action="ppaction://hlinkfile"/>
+                <a:hlinkClick r:id="rId6" action="ppaction://hlinkfile"/>
               </a:rPr>
               <a:t>介绍了 Relay 和 GraphQL</a:t>
             </a:r>
@@ -9275,7 +9225,7 @@
                 <a:latin typeface="微软雅黑" panose="020B0503020204020204" charset="-122"/>
                 <a:cs typeface="微软雅黑" panose="020B0503020204020204" charset="-122"/>
                 <a:sym typeface="Arial" panose="020B0604020202020204" pitchFamily="34" charset="0"/>
-                <a:hlinkClick r:id="rId7" tooltip="" action="ppaction://hlinkfile"/>
+                <a:hlinkClick r:id="rId7" action="ppaction://hlinkfile"/>
               </a:rPr>
               <a:t>React Native for iOS</a:t>
             </a:r>
@@ -9312,7 +9262,7 @@
                 <a:latin typeface="微软雅黑" panose="020B0503020204020204" charset="-122"/>
                 <a:cs typeface="微软雅黑" panose="020B0503020204020204" charset="-122"/>
                 <a:sym typeface="Arial" panose="020B0604020202020204" pitchFamily="34" charset="0"/>
-                <a:hlinkClick r:id="rId8" tooltip="" action="ppaction://hlinkfile"/>
+                <a:hlinkClick r:id="rId8" action="ppaction://hlinkfile"/>
               </a:rPr>
               <a:t>Dan Abramov</a:t>
             </a:r>
@@ -9329,7 +9279,7 @@
                 <a:latin typeface="微软雅黑" panose="020B0503020204020204" charset="-122"/>
                 <a:cs typeface="微软雅黑" panose="020B0503020204020204" charset="-122"/>
                 <a:sym typeface="Arial" panose="020B0604020202020204" pitchFamily="34" charset="0"/>
-                <a:hlinkClick r:id="rId9" tooltip="" action="ppaction://hlinkfile"/>
+                <a:hlinkClick r:id="rId9" action="ppaction://hlinkfile"/>
               </a:rPr>
               <a:t>github</a:t>
             </a:r>
@@ -9339,15 +9289,7 @@
                 <a:cs typeface="微软雅黑" panose="020B0503020204020204" charset="-122"/>
                 <a:sym typeface="Arial" panose="020B0604020202020204" pitchFamily="34" charset="0"/>
               </a:rPr>
-              <a:t>）</a:t>
-            </a:r>
-            <a:r>
-              <a:rPr lang="zh-CN" altLang="en-US" sz="1400">
-                <a:latin typeface="微软雅黑" panose="020B0503020204020204" charset="-122"/>
-                <a:cs typeface="微软雅黑" panose="020B0503020204020204" charset="-122"/>
-                <a:sym typeface="Arial" panose="020B0604020202020204" pitchFamily="34" charset="0"/>
-              </a:rPr>
-              <a:t> 和 Andrew Clark 发布了 Redux</a:t>
+              <a:t>） 和 Andrew Clark 发布了 Redux</a:t>
             </a:r>
             <a:endParaRPr lang="zh-CN" altLang="en-US" sz="1400">
               <a:latin typeface="微软雅黑" panose="020B0503020204020204" charset="-122"/>
@@ -9394,7 +9336,7 @@
                 <a:latin typeface="微软雅黑" panose="020B0503020204020204" charset="-122"/>
                 <a:cs typeface="微软雅黑" panose="020B0503020204020204" charset="-122"/>
                 <a:sym typeface="Arial" panose="020B0604020202020204" pitchFamily="34" charset="0"/>
-                <a:hlinkClick r:id="rId10" tooltip="" action="ppaction://hlinkfile"/>
+                <a:hlinkClick r:id="rId10" action="ppaction://hlinkfile"/>
               </a:rPr>
               <a:t>React Native for Android</a:t>
             </a:r>
@@ -10048,7 +9990,7 @@
                 <a:latin typeface="微软雅黑" panose="020B0503020204020204" charset="-122"/>
                 <a:cs typeface="微软雅黑" panose="020B0503020204020204" charset="-122"/>
                 <a:sym typeface="Arial" panose="020B0604020202020204" pitchFamily="34" charset="0"/>
-                <a:hlinkClick r:id="rId2" tooltip="" action="ppaction://hlinkfile"/>
+                <a:hlinkClick r:id="rId2" action="ppaction://hlinkfile"/>
               </a:rPr>
               <a:t>MobX </a:t>
             </a:r>
@@ -10093,7 +10035,7 @@
                 <a:latin typeface="微软雅黑" panose="020B0503020204020204" charset="-122"/>
                 <a:cs typeface="微软雅黑" panose="020B0503020204020204" charset="-122"/>
                 <a:sym typeface="Arial" panose="020B0604020202020204" pitchFamily="34" charset="0"/>
-                <a:hlinkClick r:id="rId3" tooltip="" action="ppaction://hlinkfile"/>
+                <a:hlinkClick r:id="rId3" action="ppaction://hlinkfile"/>
               </a:rPr>
               <a:t>React.js 大会</a:t>
             </a:r>
@@ -10122,7 +10064,7 @@
                 <a:latin typeface="微软雅黑" panose="020B0503020204020204" charset="-122"/>
                 <a:cs typeface="微软雅黑" panose="020B0503020204020204" charset="-122"/>
                 <a:sym typeface="Arial" panose="020B0604020202020204" pitchFamily="34" charset="0"/>
-                <a:hlinkClick r:id="rId4" tooltip="" action="ppaction://hlinkfile"/>
+                <a:hlinkClick r:id="rId4" action="ppaction://hlinkfile"/>
               </a:rPr>
               <a:t>Draft.js</a:t>
             </a:r>
@@ -10140,23 +10082,7 @@
                 <a:cs typeface="微软雅黑" panose="020B0503020204020204" charset="-122"/>
                 <a:sym typeface="Arial" panose="020B0604020202020204" pitchFamily="34" charset="0"/>
               </a:rPr>
-              <a:t>(</a:t>
-            </a:r>
-            <a:r>
-              <a:rPr lang="en-US" altLang="zh-CN" sz="1400">
-                <a:latin typeface="微软雅黑" panose="020B0503020204020204" charset="-122"/>
-                <a:cs typeface="微软雅黑" panose="020B0503020204020204" charset="-122"/>
-                <a:sym typeface="Arial" panose="020B0604020202020204" pitchFamily="34" charset="0"/>
-              </a:rPr>
-              <a:t>Rich Text Editing with React</a:t>
-            </a:r>
-            <a:r>
-              <a:rPr lang="en-US" altLang="zh-CN" sz="1400">
-                <a:latin typeface="微软雅黑" panose="020B0503020204020204" charset="-122"/>
-                <a:cs typeface="微软雅黑" panose="020B0503020204020204" charset="-122"/>
-                <a:sym typeface="Arial" panose="020B0604020202020204" pitchFamily="34" charset="0"/>
-              </a:rPr>
-              <a:t>)</a:t>
+              <a:t>(Rich Text Editing with React)</a:t>
             </a:r>
             <a:endParaRPr lang="zh-CN" altLang="en-US" sz="1400">
               <a:latin typeface="微软雅黑" panose="020B0503020204020204" charset="-122"/>
@@ -10183,7 +10109,7 @@
                 <a:latin typeface="微软雅黑" panose="020B0503020204020204" charset="-122"/>
                 <a:cs typeface="微软雅黑" panose="020B0503020204020204" charset="-122"/>
                 <a:sym typeface="Arial" panose="020B0604020202020204" pitchFamily="34" charset="0"/>
-                <a:hlinkClick r:id="rId5" tooltip="" action="ppaction://hlinkfile"/>
+                <a:hlinkClick r:id="rId5" action="ppaction://hlinkfile"/>
               </a:rPr>
               <a:t>React Storybook</a:t>
             </a:r>
@@ -10208,7 +10134,7 @@
                 <a:latin typeface="微软雅黑" panose="020B0503020204020204" charset="-122"/>
                 <a:cs typeface="微软雅黑" panose="020B0503020204020204" charset="-122"/>
                 <a:sym typeface="Arial" panose="020B0604020202020204" pitchFamily="34" charset="0"/>
-                <a:hlinkClick r:id="rId6" tooltip="" action="ppaction://hlinkfile"/>
+                <a:hlinkClick r:id="rId6" action="ppaction://hlinkfile"/>
               </a:rPr>
               <a:t>Demo</a:t>
             </a:r>
@@ -10245,7 +10171,7 @@
                 <a:latin typeface="微软雅黑" panose="020B0503020204020204" charset="-122"/>
                 <a:cs typeface="微软雅黑" panose="020B0503020204020204" charset="-122"/>
                 <a:sym typeface="Arial" panose="020B0604020202020204" pitchFamily="34" charset="0"/>
-                <a:hlinkClick r:id="rId7" tooltip="" action="ppaction://hlinkfile"/>
+                <a:hlinkClick r:id="rId7" action="ppaction://hlinkfile"/>
               </a:rPr>
               <a:t>ReactEurope 2016</a:t>
             </a:r>
@@ -10274,7 +10200,7 @@
                 <a:latin typeface="微软雅黑" panose="020B0503020204020204" charset="-122"/>
                 <a:cs typeface="微软雅黑" panose="020B0503020204020204" charset="-122"/>
                 <a:sym typeface="Arial" panose="020B0604020202020204" pitchFamily="34" charset="0"/>
-                <a:hlinkClick r:id="rId8" tooltip="" action="ppaction://hlinkfile"/>
+                <a:hlinkClick r:id="rId8" action="ppaction://hlinkfile"/>
               </a:rPr>
               <a:t>React 的 错误代码系统</a:t>
             </a:r>
@@ -10355,7 +10281,7 @@
                 <a:latin typeface="微软雅黑" panose="020B0503020204020204" charset="-122"/>
                 <a:cs typeface="微软雅黑" panose="020B0503020204020204" charset="-122"/>
                 <a:sym typeface="Arial" panose="020B0604020202020204" pitchFamily="34" charset="0"/>
-                <a:hlinkClick r:id="rId9" tooltip="" action="ppaction://hlinkfile"/>
+                <a:hlinkClick r:id="rId9" action="ppaction://hlinkfile"/>
               </a:rPr>
               <a:t>Blueprint </a:t>
             </a:r>
@@ -11009,7 +10935,7 @@
                 <a:latin typeface="微软雅黑" panose="020B0503020204020204" charset="-122"/>
                 <a:cs typeface="微软雅黑" panose="020B0503020204020204" charset="-122"/>
                 <a:sym typeface="Arial" panose="020B0604020202020204" pitchFamily="34" charset="0"/>
-                <a:hlinkClick r:id="rId2" tooltip="" action="ppaction://hlinkfile"/>
+                <a:hlinkClick r:id="rId2" action="ppaction://hlinkfile"/>
               </a:rPr>
               <a:t>React Sketch.app</a:t>
             </a:r>
@@ -11038,7 +10964,7 @@
                 <a:latin typeface="微软雅黑" panose="020B0503020204020204" charset="-122"/>
                 <a:cs typeface="微软雅黑" panose="020B0503020204020204" charset="-122"/>
                 <a:sym typeface="Arial" panose="020B0604020202020204" pitchFamily="34" charset="0"/>
-                <a:hlinkClick r:id="rId3" tooltip="" action="ppaction://hlinkfile"/>
+                <a:hlinkClick r:id="rId3" action="ppaction://hlinkfile"/>
               </a:rPr>
               <a:t>React Fiber</a:t>
             </a:r>
@@ -11067,7 +10993,7 @@
                 <a:latin typeface="微软雅黑" panose="020B0503020204020204" charset="-122"/>
                 <a:cs typeface="微软雅黑" panose="020B0503020204020204" charset="-122"/>
                 <a:sym typeface="Arial" panose="020B0604020202020204" pitchFamily="34" charset="0"/>
-                <a:hlinkClick r:id="rId4" tooltip="" action="ppaction://hlinkfile"/>
+                <a:hlinkClick r:id="rId4" action="ppaction://hlinkfile"/>
               </a:rPr>
               <a:t>Facebook 修改了 React、Jest、Flow 以及 Immutable.js 的协议</a:t>
             </a:r>
@@ -11092,7 +11018,7 @@
                 <a:latin typeface="微软雅黑" panose="020B0503020204020204" charset="-122"/>
                 <a:cs typeface="微软雅黑" panose="020B0503020204020204" charset="-122"/>
                 <a:sym typeface="Arial" panose="020B0604020202020204" pitchFamily="34" charset="0"/>
-                <a:hlinkClick r:id="rId5" tooltip="" action="ppaction://hlinkfile"/>
+                <a:hlinkClick r:id="rId5" action="ppaction://hlinkfile"/>
               </a:rPr>
               <a:t>MIT licensed</a:t>
             </a:r>
@@ -11129,7 +11055,7 @@
                 <a:latin typeface="微软雅黑" panose="020B0503020204020204" charset="-122"/>
                 <a:cs typeface="微软雅黑" panose="020B0503020204020204" charset="-122"/>
                 <a:sym typeface="Arial" panose="020B0604020202020204" pitchFamily="34" charset="0"/>
-                <a:hlinkClick r:id="rId6" tooltip="" action="ppaction://hlinkfile"/>
+                <a:hlinkClick r:id="rId6" action="ppaction://hlinkfile"/>
               </a:rPr>
               <a:t>React 16: error boundaries、portals、fragments以及 Fiber 架构</a:t>
             </a:r>
@@ -11194,7 +11120,7 @@
                 <a:latin typeface="微软雅黑" panose="020B0503020204020204" charset="-122"/>
                 <a:cs typeface="微软雅黑" panose="020B0503020204020204" charset="-122"/>
                 <a:sym typeface="Arial" panose="020B0604020202020204" pitchFamily="34" charset="0"/>
-                <a:hlinkClick r:id="rId7" tooltip="" action="ppaction://hlinkfile"/>
+                <a:hlinkClick r:id="rId7" action="ppaction://hlinkfile"/>
               </a:rPr>
               <a:t>Netfix 移除了客户端的 React.js</a:t>
             </a:r>
@@ -11223,7 +11149,7 @@
                 <a:latin typeface="微软雅黑" panose="020B0503020204020204" charset="-122"/>
                 <a:cs typeface="微软雅黑" panose="020B0503020204020204" charset="-122"/>
                 <a:sym typeface="Arial" panose="020B0604020202020204" pitchFamily="34" charset="0"/>
-                <a:hlinkClick r:id="rId8" tooltip="" action="ppaction://hlinkfile"/>
+                <a:hlinkClick r:id="rId8" action="ppaction://hlinkfile"/>
               </a:rPr>
               <a:t>React v16.2.0</a:t>
             </a:r>
@@ -11877,7 +11803,7 @@
                 <a:latin typeface="微软雅黑" panose="020B0503020204020204" charset="-122"/>
                 <a:cs typeface="微软雅黑" panose="020B0503020204020204" charset="-122"/>
                 <a:sym typeface="Arial" panose="020B0604020202020204" pitchFamily="34" charset="0"/>
-                <a:hlinkClick r:id="rId2" tooltip="" action="ppaction://hlinkfile"/>
+                <a:hlinkClick r:id="rId2" action="ppaction://hlinkfile"/>
               </a:rPr>
               <a:t>JSConf Iceland 2018</a:t>
             </a:r>
@@ -11894,7 +11820,7 @@
                 <a:latin typeface="微软雅黑" panose="020B0503020204020204" charset="-122"/>
                 <a:cs typeface="微软雅黑" panose="020B0503020204020204" charset="-122"/>
                 <a:sym typeface="Arial" panose="020B0604020202020204" pitchFamily="34" charset="0"/>
-                <a:hlinkClick r:id="rId3" tooltip="" action="ppaction://hlinkfile"/>
+                <a:hlinkClick r:id="rId3" action="ppaction://hlinkfile"/>
               </a:rPr>
               <a:t>Beyond React 16</a:t>
             </a:r>
@@ -11999,7 +11925,7 @@
                 <a:latin typeface="微软雅黑" panose="020B0503020204020204" charset="-122"/>
                 <a:cs typeface="微软雅黑" panose="020B0503020204020204" charset="-122"/>
                 <a:sym typeface="Arial" panose="020B0604020202020204" pitchFamily="34" charset="0"/>
-                <a:hlinkClick r:id="rId4" tooltip="" action="ppaction://hlinkfile"/>
+                <a:hlinkClick r:id="rId4" action="ppaction://hlinkfile"/>
               </a:rPr>
               <a:t>React 16.3.0</a:t>
             </a:r>
@@ -12076,7 +12002,7 @@
                 <a:latin typeface="微软雅黑" panose="020B0503020204020204" charset="-122"/>
                 <a:cs typeface="微软雅黑" panose="020B0503020204020204" charset="-122"/>
                 <a:sym typeface="Arial" panose="020B0604020202020204" pitchFamily="34" charset="0"/>
-                <a:hlinkClick r:id="rId5" tooltip="" action="ppaction://hlinkfile"/>
+                <a:hlinkClick r:id="rId5" action="ppaction://hlinkfile"/>
               </a:rPr>
               <a:t>React v16.4.0</a:t>
             </a:r>
@@ -12161,7 +12087,7 @@
                 <a:latin typeface="微软雅黑" panose="020B0503020204020204" charset="-122"/>
                 <a:cs typeface="微软雅黑" panose="020B0503020204020204" charset="-122"/>
                 <a:sym typeface="Arial" panose="020B0604020202020204" pitchFamily="34" charset="0"/>
-                <a:hlinkClick r:id="rId6" tooltip="" action="ppaction://hlinkfile"/>
+                <a:hlinkClick r:id="rId6" action="ppaction://hlinkfile"/>
               </a:rPr>
               <a:t>React Profiler</a:t>
             </a:r>
@@ -12254,7 +12180,7 @@
                 <a:latin typeface="微软雅黑" panose="020B0503020204020204" charset="-122"/>
                 <a:cs typeface="微软雅黑" panose="020B0503020204020204" charset="-122"/>
                 <a:sym typeface="Arial" panose="020B0604020202020204" pitchFamily="34" charset="0"/>
-                <a:hlinkClick r:id="rId7" tooltip="" action="ppaction://hlinkfile"/>
+                <a:hlinkClick r:id="rId7" action="ppaction://hlinkfile"/>
               </a:rPr>
               <a:t>React v16.</a:t>
             </a:r>
@@ -12263,7 +12189,7 @@
                 <a:latin typeface="微软雅黑" panose="020B0503020204020204" charset="-122"/>
                 <a:cs typeface="微软雅黑" panose="020B0503020204020204" charset="-122"/>
                 <a:sym typeface="Arial" panose="020B0604020202020204" pitchFamily="34" charset="0"/>
-                <a:hlinkClick r:id="rId7" tooltip="" action="ppaction://hlinkfile"/>
+                <a:hlinkClick r:id="rId7" action="ppaction://hlinkfile"/>
               </a:rPr>
               <a:t>6</a:t>
             </a:r>
@@ -12272,7 +12198,7 @@
                 <a:latin typeface="微软雅黑" panose="020B0503020204020204" charset="-122"/>
                 <a:cs typeface="微软雅黑" panose="020B0503020204020204" charset="-122"/>
                 <a:sym typeface="Arial" panose="020B0604020202020204" pitchFamily="34" charset="0"/>
-                <a:hlinkClick r:id="rId7" tooltip="" action="ppaction://hlinkfile"/>
+                <a:hlinkClick r:id="rId7" action="ppaction://hlinkfile"/>
               </a:rPr>
               <a:t>.0</a:t>
             </a:r>
@@ -12357,7 +12283,7 @@
                 <a:latin typeface="微软雅黑" panose="020B0503020204020204" charset="-122"/>
                 <a:cs typeface="微软雅黑" panose="020B0503020204020204" charset="-122"/>
                 <a:sym typeface="Arial" panose="020B0604020202020204" pitchFamily="34" charset="0"/>
-                <a:hlinkClick r:id="rId8" tooltip="" action="ppaction://hlinkfile"/>
+                <a:hlinkClick r:id="rId8" action="ppaction://hlinkfile"/>
               </a:rPr>
               <a:t>React Conf</a:t>
             </a:r>
@@ -12374,7 +12300,7 @@
                 <a:latin typeface="微软雅黑" panose="020B0503020204020204" charset="-122"/>
                 <a:cs typeface="微软雅黑" panose="020B0503020204020204" charset="-122"/>
                 <a:sym typeface="Arial" panose="020B0604020202020204" pitchFamily="34" charset="0"/>
-                <a:hlinkClick r:id="rId9" tooltip="" action="ppaction://hlinkfile"/>
+                <a:hlinkClick r:id="rId9" action="ppaction://hlinkfile"/>
               </a:rPr>
               <a:t>Hooks, Suspense, and Concurrent Rendering</a:t>
             </a:r>
@@ -12443,7 +12369,7 @@
                 <a:latin typeface="微软雅黑" panose="020B0503020204020204" charset="-122"/>
                 <a:cs typeface="微软雅黑" panose="020B0503020204020204" charset="-122"/>
                 <a:sym typeface="Arial" panose="020B0604020202020204" pitchFamily="34" charset="0"/>
-                <a:hlinkClick r:id="rId10" tooltip="" action="ppaction://hlinkfile"/>
+                <a:hlinkClick r:id="rId10" action="ppaction://hlinkfile"/>
               </a:rPr>
               <a:t>React 16.x Roadmap </a:t>
             </a:r>
@@ -12453,15 +12379,7 @@
                 <a:cs typeface="微软雅黑" panose="020B0503020204020204" charset="-122"/>
                 <a:sym typeface="Arial" panose="020B0604020202020204" pitchFamily="34" charset="0"/>
               </a:rPr>
-              <a:t> </a:t>
-            </a:r>
-            <a:r>
-              <a:rPr lang="en-US" altLang="zh-CN" sz="1400">
-                <a:latin typeface="微软雅黑" panose="020B0503020204020204" charset="-122"/>
-                <a:cs typeface="微软雅黑" panose="020B0503020204020204" charset="-122"/>
-                <a:sym typeface="Arial" panose="020B0604020202020204" pitchFamily="34" charset="0"/>
-              </a:rPr>
-              <a:t>React Hooks (~Q1 2019) ,Concurrent Mode (~Q2 2019), Suspense for Data Fetching (~mid 2019)</a:t>
+              <a:t> React Hooks (~Q1 2019) ,Concurrent Mode (~Q2 2019), Suspense for Data Fetching (~mid 2019)</a:t>
             </a:r>
             <a:endParaRPr lang="en-US" altLang="zh-CN" sz="1400">
               <a:latin typeface="微软雅黑" panose="020B0503020204020204" charset="-122"/>
@@ -12520,7 +12438,7 @@
                 <a:latin typeface="微软雅黑" panose="020B0503020204020204" charset="-122"/>
                 <a:cs typeface="微软雅黑" panose="020B0503020204020204" charset="-122"/>
                 <a:sym typeface="Arial" panose="020B0604020202020204" pitchFamily="34" charset="0"/>
-                <a:hlinkClick r:id="rId11" tooltip="" action="ppaction://hlinkfile"/>
+                <a:hlinkClick r:id="rId11" action="ppaction://hlinkfile"/>
               </a:rPr>
               <a:t>React v16.7</a:t>
             </a:r>
@@ -16279,15 +16197,7 @@
                 <a:ea typeface="微软雅黑" panose="020B0503020204020204" charset="-122"/>
                 <a:sym typeface="+mn-ea"/>
               </a:rPr>
-              <a:t>is </a:t>
-            </a:r>
-            <a:r>
-              <a:rPr lang="en-US" altLang="zh-CN" sz="2000" b="1" spc="120">
-                <a:latin typeface="微软雅黑" panose="020B0503020204020204" charset="-122"/>
-                <a:ea typeface="微软雅黑" panose="020B0503020204020204" charset="-122"/>
-                <a:sym typeface="+mn-ea"/>
-              </a:rPr>
-              <a:t>coming</a:t>
+              <a:t>is coming</a:t>
             </a:r>
             <a:endParaRPr lang="zh-CN" altLang="en-US" sz="2000" b="1" spc="120">
               <a:latin typeface="微软雅黑" panose="020B0503020204020204" charset="-122"/>
@@ -17234,7 +17144,7 @@
                 <a:latin typeface="微软雅黑" panose="020B0503020204020204" charset="-122"/>
                 <a:cs typeface="微软雅黑" panose="020B0503020204020204" charset="-122"/>
                 <a:sym typeface="Arial" panose="020B0604020202020204" pitchFamily="34" charset="0"/>
-                <a:hlinkClick r:id="rId5" tooltip="" action="ppaction://hlinkfile"/>
+                <a:hlinkClick r:id="rId5" action="ppaction://hlinkfile"/>
               </a:rPr>
               <a:t>Why did we build React?</a:t>
             </a:r>
@@ -17243,15 +17153,15 @@
                 <a:latin typeface="微软雅黑" panose="020B0503020204020204" charset="-122"/>
                 <a:cs typeface="微软雅黑" panose="020B0503020204020204" charset="-122"/>
                 <a:sym typeface="Arial" panose="020B0604020202020204" pitchFamily="34" charset="0"/>
-                <a:hlinkClick r:id="rId5" tooltip="" action="ppaction://hlinkfile"/>
-              </a:rPr>
-              <a:t>（June 05, 2013 by Pete Hunt）</a:t>
+                <a:hlinkClick r:id="rId5" action="ppaction://hlinkfile"/>
+              </a:rPr>
+              <a:t>（June 05, 2013）</a:t>
             </a:r>
             <a:endParaRPr lang="zh-CN" altLang="en-US" sz="3200">
               <a:latin typeface="微软雅黑" panose="020B0503020204020204" charset="-122"/>
               <a:cs typeface="微软雅黑" panose="020B0503020204020204" charset="-122"/>
               <a:sym typeface="Arial" panose="020B0604020202020204" pitchFamily="34" charset="0"/>
-              <a:hlinkClick r:id="rId5" tooltip="" action="ppaction://hlinkfile"/>
+              <a:hlinkClick r:id="rId5" action="ppaction://hlinkfile"/>
             </a:endParaRPr>
           </a:p>
         </p:txBody>
@@ -17994,7 +17904,7 @@
                 <a:latin typeface="微软雅黑" panose="020B0503020204020204" charset="-122"/>
                 <a:cs typeface="微软雅黑" panose="020B0503020204020204" charset="-122"/>
                 <a:sym typeface="Arial" panose="020B0604020202020204" pitchFamily="34" charset="0"/>
-                <a:hlinkClick r:id="rId5" tooltip="" action="ppaction://hlinkfile"/>
+                <a:hlinkClick r:id="rId5" action="ppaction://hlinkfile"/>
               </a:rPr>
               <a:t>New Versioning Scheme</a:t>
             </a:r>
@@ -18003,7 +17913,7 @@
                 <a:latin typeface="微软雅黑" panose="020B0503020204020204" charset="-122"/>
                 <a:cs typeface="微软雅黑" panose="020B0503020204020204" charset="-122"/>
                 <a:sym typeface="Arial" panose="020B0604020202020204" pitchFamily="34" charset="0"/>
-                <a:hlinkClick r:id="rId5" tooltip="" action="ppaction://hlinkfile"/>
+                <a:hlinkClick r:id="rId5" action="ppaction://hlinkfile"/>
               </a:rPr>
               <a:t>（February 19, 2016）</a:t>
             </a:r>
@@ -18011,7 +17921,7 @@
               <a:latin typeface="微软雅黑" panose="020B0503020204020204" charset="-122"/>
               <a:cs typeface="微软雅黑" panose="020B0503020204020204" charset="-122"/>
               <a:sym typeface="Arial" panose="020B0604020202020204" pitchFamily="34" charset="0"/>
-              <a:hlinkClick r:id="rId5" tooltip="" action="ppaction://hlinkfile"/>
+              <a:hlinkClick r:id="rId5" action="ppaction://hlinkfile"/>
             </a:endParaRPr>
           </a:p>
         </p:txBody>
@@ -18155,8 +18065,8 @@
         </p:nvSpPr>
         <p:spPr bwMode="auto">
           <a:xfrm>
-            <a:off x="736600" y="1233170"/>
-            <a:ext cx="10809605" cy="5401945"/>
+            <a:off x="736600" y="1051560"/>
+            <a:ext cx="10809605" cy="5798820"/>
           </a:xfrm>
           <a:prstGeom prst="rect">
             <a:avLst/>
@@ -18322,7 +18232,7 @@
                 <a:latin typeface="微软雅黑" panose="020B0503020204020204" charset="-122"/>
                 <a:cs typeface="微软雅黑" panose="020B0503020204020204" charset="-122"/>
                 <a:sym typeface="Arial" panose="020B0604020202020204" pitchFamily="34" charset="0"/>
-                <a:hlinkClick r:id="rId2" tooltip="" action="ppaction://hlinkfile"/>
+                <a:hlinkClick r:id="rId2" action="ppaction://hlinkfile"/>
               </a:rPr>
               <a:t>RFC</a:t>
             </a:r>
@@ -18359,7 +18269,7 @@
                 <a:latin typeface="微软雅黑" panose="020B0503020204020204" charset="-122"/>
                 <a:cs typeface="微软雅黑" panose="020B0503020204020204" charset="-122"/>
                 <a:sym typeface="Arial" panose="020B0604020202020204" pitchFamily="34" charset="0"/>
-                <a:hlinkClick r:id="rId3" tooltip="" action="ppaction://hlinkfile"/>
+                <a:hlinkClick r:id="rId3" action="ppaction://hlinkfile"/>
               </a:rPr>
               <a:t>Yarn</a:t>
             </a:r>
@@ -18376,7 +18286,7 @@
                 <a:latin typeface="微软雅黑" panose="020B0503020204020204" charset="-122"/>
                 <a:cs typeface="微软雅黑" panose="020B0503020204020204" charset="-122"/>
                 <a:sym typeface="Arial" panose="020B0604020202020204" pitchFamily="34" charset="0"/>
-                <a:hlinkClick r:id="rId4" tooltip="" action="ppaction://hlinkfile"/>
+                <a:hlinkClick r:id="rId4" action="ppaction://hlinkfile"/>
               </a:rPr>
               <a:t>Ember</a:t>
             </a:r>
@@ -18393,7 +18303,7 @@
                 <a:latin typeface="微软雅黑" panose="020B0503020204020204" charset="-122"/>
                 <a:cs typeface="微软雅黑" panose="020B0503020204020204" charset="-122"/>
                 <a:sym typeface="Arial" panose="020B0604020202020204" pitchFamily="34" charset="0"/>
-                <a:hlinkClick r:id="rId5" tooltip="" action="ppaction://hlinkfile"/>
+                <a:hlinkClick r:id="rId5" action="ppaction://hlinkfile"/>
               </a:rPr>
               <a:t>Rust</a:t>
             </a:r>
@@ -18624,6 +18534,27 @@
                 <a:sym typeface="Arial" panose="020B0604020202020204" pitchFamily="34" charset="0"/>
               </a:rPr>
               <a:t>- RFC for A New Context API</a:t>
+            </a:r>
+            <a:endParaRPr lang="en-US" altLang="zh-CN" sz="1200">
+              <a:latin typeface="微软雅黑" panose="020B0503020204020204" charset="-122"/>
+              <a:cs typeface="微软雅黑" panose="020B0503020204020204" charset="-122"/>
+              <a:sym typeface="Arial" panose="020B0604020202020204" pitchFamily="34" charset="0"/>
+            </a:endParaRPr>
+          </a:p>
+          <a:p>
+            <a:pPr eaLnBrk="1" hangingPunct="1">
+              <a:lnSpc>
+                <a:spcPct val="200000"/>
+              </a:lnSpc>
+            </a:pPr>
+            <a:r>
+              <a:rPr lang="en-US" altLang="zh-CN" sz="1200">
+                <a:latin typeface="微软雅黑" panose="020B0503020204020204" charset="-122"/>
+                <a:cs typeface="微软雅黑" panose="020B0503020204020204" charset="-122"/>
+                <a:sym typeface="Arial" panose="020B0604020202020204" pitchFamily="34" charset="0"/>
+                <a:hlinkClick r:id="rId6" tooltip="" action="ppaction://hlinkfile"/>
+              </a:rPr>
+              <a:t>proposal for a new version of context</a:t>
             </a:r>
             <a:endParaRPr lang="en-US" altLang="zh-CN" sz="1200">
               <a:latin typeface="微软雅黑" panose="020B0503020204020204" charset="-122"/>
@@ -18639,7 +18570,7 @@
           <p:cNvSpPr/>
           <p:nvPr>
             <p:custDataLst>
-              <p:tags r:id="rId6"/>
+              <p:tags r:id="rId7"/>
             </p:custDataLst>
           </p:nvPr>
         </p:nvSpPr>
@@ -18815,7 +18746,7 @@
           <p:cNvSpPr/>
           <p:nvPr>
             <p:custDataLst>
-              <p:tags r:id="rId7"/>
+              <p:tags r:id="rId8"/>
             </p:custDataLst>
           </p:nvPr>
         </p:nvSpPr>
@@ -18882,7 +18813,7 @@
           </p:cNvSpPr>
           <p:nvPr>
             <p:custDataLst>
-              <p:tags r:id="rId8"/>
+              <p:tags r:id="rId9"/>
             </p:custDataLst>
           </p:nvPr>
         </p:nvSpPr>
@@ -19047,7 +18978,7 @@
                 <a:latin typeface="微软雅黑" panose="020B0503020204020204" charset="-122"/>
                 <a:cs typeface="微软雅黑" panose="020B0503020204020204" charset="-122"/>
                 <a:sym typeface="Arial" panose="020B0604020202020204" pitchFamily="34" charset="0"/>
-                <a:hlinkClick r:id="rId9" tooltip="" action="ppaction://hlinkfile"/>
+                <a:hlinkClick r:id="rId10" tooltip="" action="ppaction://hlinkfile"/>
               </a:rPr>
               <a:t>Introducing the React RFC Process</a:t>
             </a:r>
@@ -19056,7 +18987,7 @@
                 <a:latin typeface="微软雅黑" panose="020B0503020204020204" charset="-122"/>
                 <a:cs typeface="微软雅黑" panose="020B0503020204020204" charset="-122"/>
                 <a:sym typeface="Arial" panose="020B0604020202020204" pitchFamily="34" charset="0"/>
-                <a:hlinkClick r:id="rId9" tooltip="" action="ppaction://hlinkfile"/>
+                <a:hlinkClick r:id="rId10" tooltip="" action="ppaction://hlinkfile"/>
               </a:rPr>
               <a:t>（December 07, 2017）</a:t>
             </a:r>
@@ -19064,14 +18995,14 @@
               <a:latin typeface="微软雅黑" panose="020B0503020204020204" charset="-122"/>
               <a:cs typeface="微软雅黑" panose="020B0503020204020204" charset="-122"/>
               <a:sym typeface="Arial" panose="020B0604020202020204" pitchFamily="34" charset="0"/>
-              <a:hlinkClick r:id="rId9" tooltip="" action="ppaction://hlinkfile"/>
+              <a:hlinkClick r:id="rId10" tooltip="" action="ppaction://hlinkfile"/>
             </a:endParaRPr>
           </a:p>
         </p:txBody>
       </p:sp>
     </p:spTree>
     <p:custDataLst>
-      <p:tags r:id="rId10"/>
+      <p:tags r:id="rId11"/>
     </p:custDataLst>
   </p:cSld>
   <p:clrMapOvr>
@@ -19513,13 +19444,7 @@
               <a:rPr lang="en-US" altLang="zh-CN" sz="2000">
                 <a:sym typeface="+mn-ea"/>
               </a:rPr>
-              <a:t>The </a:t>
-            </a:r>
-            <a:r>
-              <a:rPr lang="en-US" altLang="zh-CN" sz="2000">
-                <a:sym typeface="+mn-ea"/>
-              </a:rPr>
-              <a:t>need </a:t>
+              <a:t>The need </a:t>
             </a:r>
             <a:r>
               <a:rPr lang="zh-CN" altLang="en-US" sz="2000">
@@ -20671,20 +20596,7 @@
                 <a:cs typeface="微软雅黑" panose="020B0503020204020204" charset="-122"/>
                 <a:sym typeface="Arial" panose="020B0604020202020204" pitchFamily="34" charset="0"/>
               </a:rPr>
-              <a:t>Jordan Walke创建了一套</a:t>
-            </a:r>
-            <a:r>
-              <a:rPr lang="zh-CN" altLang="en-US" sz="1400">
-                <a:solidFill>
-                  <a:schemeClr val="bg1">
-                    <a:lumMod val="50000"/>
-                  </a:schemeClr>
-                </a:solidFill>
-                <a:latin typeface="微软雅黑" panose="020B0503020204020204" charset="-122"/>
-                <a:cs typeface="微软雅黑" panose="020B0503020204020204" charset="-122"/>
-                <a:sym typeface="Arial" panose="020B0604020202020204" pitchFamily="34" charset="0"/>
-              </a:rPr>
-              <a:t>原型，这也标志着</a:t>
+              <a:t>Jordan Walke创建了一套原型，这也标志着</a:t>
             </a:r>
             <a:r>
               <a:rPr lang="en-US" altLang="zh-CN" sz="1400">
@@ -20762,7 +20674,7 @@
                 <a:latin typeface="微软雅黑" panose="020B0503020204020204" charset="-122"/>
                 <a:cs typeface="微软雅黑" panose="020B0503020204020204" charset="-122"/>
                 <a:sym typeface="Arial" panose="020B0604020202020204" pitchFamily="34" charset="0"/>
-                <a:hlinkClick r:id="rId2" tooltip="" action="ppaction://hlinkfile"/>
+                <a:hlinkClick r:id="rId2" action="ppaction://hlinkfile"/>
               </a:rPr>
               <a:t>https://www.youtube.com/watch?v=KVZ-P-ZI6W4&amp;t=0s&amp;list=PLb0IAmt7-GS1cbw4qonlQztYV1TAW0sCr&amp;index=1</a:t>
             </a:r>
@@ -22487,7 +22399,7 @@
                 <a:latin typeface="微软雅黑" panose="020B0503020204020204" charset="-122"/>
                 <a:cs typeface="微软雅黑" panose="020B0503020204020204" charset="-122"/>
                 <a:sym typeface="Arial" panose="020B0604020202020204" pitchFamily="34" charset="0"/>
-                <a:hlinkClick r:id="rId8" tooltip="" action="ppaction://hlinkfile"/>
+                <a:hlinkClick r:id="rId8" action="ppaction://hlinkfile"/>
               </a:rPr>
               <a:t>XHP</a:t>
             </a:r>
@@ -23361,7 +23273,7 @@
                 <a:latin typeface="微软雅黑" panose="020B0503020204020204" charset="-122"/>
                 <a:cs typeface="微软雅黑" panose="020B0503020204020204" charset="-122"/>
                 <a:sym typeface="Arial" panose="020B0604020202020204" pitchFamily="34" charset="0"/>
-                <a:hlinkClick r:id="rId8" tooltip="" action="ppaction://hlinkfile"/>
+                <a:hlinkClick r:id="rId8" action="ppaction://hlinkfile"/>
               </a:rPr>
               <a:t>FaxJS</a:t>
             </a:r>
@@ -23686,7 +23598,7 @@
                 <a:latin typeface="微软雅黑" panose="020B0503020204020204" charset="-122"/>
                 <a:cs typeface="微软雅黑" panose="020B0503020204020204" charset="-122"/>
                 <a:sym typeface="Arial" panose="020B0604020202020204" pitchFamily="34" charset="0"/>
-                <a:hlinkClick r:id="rId2" tooltip="" action="ppaction://hlinkfile"/>
+                <a:hlinkClick r:id="rId2" action="ppaction://hlinkfile"/>
               </a:rPr>
               <a:t>TechCrunch Disrupt </a:t>
             </a:r>
@@ -24340,7 +24252,7 @@
                 <a:latin typeface="微软雅黑" panose="020B0503020204020204" charset="-122"/>
                 <a:cs typeface="微软雅黑" panose="020B0503020204020204" charset="-122"/>
                 <a:sym typeface="Arial" panose="020B0604020202020204" pitchFamily="34" charset="0"/>
-                <a:hlinkClick r:id="rId2" tooltip="" action="ppaction://hlinkfile"/>
+                <a:hlinkClick r:id="rId2" action="ppaction://hlinkfile"/>
               </a:rPr>
               <a:t>JS ConfUS</a:t>
             </a:r>
@@ -24357,7 +24269,7 @@
                 <a:latin typeface="微软雅黑" panose="020B0503020204020204" charset="-122"/>
                 <a:cs typeface="微软雅黑" panose="020B0503020204020204" charset="-122"/>
                 <a:sym typeface="Arial" panose="020B0604020202020204" pitchFamily="34" charset="0"/>
-                <a:hlinkClick r:id="rId3" tooltip="" action="ppaction://hlinkfile"/>
+                <a:hlinkClick r:id="rId3" action="ppaction://hlinkfile"/>
               </a:rPr>
               <a:t>Jordan Walke 介绍了 React</a:t>
             </a:r>
@@ -24402,7 +24314,7 @@
                 <a:latin typeface="微软雅黑" panose="020B0503020204020204" charset="-122"/>
                 <a:cs typeface="微软雅黑" panose="020B0503020204020204" charset="-122"/>
                 <a:sym typeface="Arial" panose="020B0604020202020204" pitchFamily="34" charset="0"/>
-                <a:hlinkClick r:id="rId4" tooltip="" action="ppaction://hlinkfile"/>
+                <a:hlinkClick r:id="rId4" action="ppaction://hlinkfile"/>
               </a:rPr>
               <a:t>https://www.youtube.com/channel/UCzoVCacndDCfGDf41P-z0iA</a:t>
             </a:r>
@@ -24411,7 +24323,7 @@
                 <a:latin typeface="微软雅黑" panose="020B0503020204020204" charset="-122"/>
                 <a:cs typeface="微软雅黑" panose="020B0503020204020204" charset="-122"/>
                 <a:sym typeface="Arial" panose="020B0604020202020204" pitchFamily="34" charset="0"/>
-                <a:hlinkClick r:id="rId4" tooltip="" action="ppaction://hlinkfile"/>
+                <a:hlinkClick r:id="rId4" action="ppaction://hlinkfile"/>
               </a:rPr>
               <a:t>)</a:t>
             </a:r>
@@ -24419,7 +24331,7 @@
               <a:latin typeface="微软雅黑" panose="020B0503020204020204" charset="-122"/>
               <a:cs typeface="微软雅黑" panose="020B0503020204020204" charset="-122"/>
               <a:sym typeface="Arial" panose="020B0604020202020204" pitchFamily="34" charset="0"/>
-              <a:hlinkClick r:id="rId4" tooltip="" action="ppaction://hlinkfile"/>
+              <a:hlinkClick r:id="rId4" action="ppaction://hlinkfile"/>
             </a:endParaRPr>
           </a:p>
           <a:p>
@@ -24493,7 +24405,7 @@
                 <a:latin typeface="微软雅黑" panose="020B0503020204020204" charset="-122"/>
                 <a:cs typeface="微软雅黑" panose="020B0503020204020204" charset="-122"/>
                 <a:sym typeface="Arial" panose="020B0604020202020204" pitchFamily="34" charset="0"/>
-                <a:hlinkClick r:id="rId5" tooltip="" action="ppaction://hlinkfile"/>
+                <a:hlinkClick r:id="rId5" action="ppaction://hlinkfile"/>
               </a:rPr>
               <a:t>JSFiddle 宣布正</a:t>
             </a:r>
@@ -24502,7 +24414,7 @@
                 <a:latin typeface="微软雅黑" panose="020B0503020204020204" charset="-122"/>
                 <a:cs typeface="微软雅黑" panose="020B0503020204020204" charset="-122"/>
                 <a:sym typeface="Arial" panose="020B0604020202020204" pitchFamily="34" charset="0"/>
-                <a:hlinkClick r:id="rId5" tooltip="" action="ppaction://hlinkfile"/>
+                <a:hlinkClick r:id="rId5" action="ppaction://hlinkfile"/>
               </a:rPr>
               <a:t>式</a:t>
             </a:r>
@@ -24511,7 +24423,7 @@
                 <a:latin typeface="微软雅黑" panose="020B0503020204020204" charset="-122"/>
                 <a:cs typeface="微软雅黑" panose="020B0503020204020204" charset="-122"/>
                 <a:sym typeface="Arial" panose="020B0604020202020204" pitchFamily="34" charset="0"/>
-                <a:hlinkClick r:id="rId5" tooltip="" action="ppaction://hlinkfile"/>
+                <a:hlinkClick r:id="rId5" action="ppaction://hlinkfile"/>
               </a:rPr>
               <a:t>支持 React</a:t>
             </a:r>
@@ -24540,7 +24452,7 @@
                 <a:latin typeface="微软雅黑" panose="020B0503020204020204" charset="-122"/>
                 <a:cs typeface="微软雅黑" panose="020B0503020204020204" charset="-122"/>
                 <a:sym typeface="Arial" panose="020B0604020202020204" pitchFamily="34" charset="0"/>
-                <a:hlinkClick r:id="rId6" tooltip="" action="ppaction://hlinkfile"/>
+                <a:hlinkClick r:id="rId6" action="ppaction://hlinkfile"/>
               </a:rPr>
               <a:t>Ruby on Rails 支持 React 以及 JSX</a:t>
             </a:r>
@@ -24569,7 +24481,7 @@
                 <a:latin typeface="微软雅黑" panose="020B0503020204020204" charset="-122"/>
                 <a:cs typeface="微软雅黑" panose="020B0503020204020204" charset="-122"/>
                 <a:sym typeface="Arial" panose="020B0604020202020204" pitchFamily="34" charset="0"/>
-                <a:hlinkClick r:id="rId7" tooltip="" action="ppaction://hlinkfile"/>
+                <a:hlinkClick r:id="rId7" action="ppaction://hlinkfile"/>
               </a:rPr>
               <a:t>Python 支持 React 和 JSX</a:t>
             </a:r>
@@ -24598,7 +24510,7 @@
                 <a:latin typeface="微软雅黑" panose="020B0503020204020204" charset="-122"/>
                 <a:cs typeface="微软雅黑" panose="020B0503020204020204" charset="-122"/>
                 <a:sym typeface="Arial" panose="020B0604020202020204" pitchFamily="34" charset="0"/>
-                <a:hlinkClick r:id="rId8" tooltip="" action="ppaction://hlinkfile"/>
+                <a:hlinkClick r:id="rId8" action="ppaction://hlinkfile"/>
               </a:rPr>
               <a:t>Rethinking Best Practices</a:t>
             </a:r>
@@ -24635,7 +24547,7 @@
                 <a:latin typeface="微软雅黑" panose="020B0503020204020204" charset="-122"/>
                 <a:cs typeface="微软雅黑" panose="020B0503020204020204" charset="-122"/>
                 <a:sym typeface="Arial" panose="020B0604020202020204" pitchFamily="34" charset="0"/>
-                <a:hlinkClick r:id="rId9" tooltip=""/>
+                <a:hlinkClick r:id="rId9"/>
               </a:rPr>
               <a:t>David Nolen 介绍了基于 React 的 OM</a:t>
             </a:r>
@@ -25131,26 +25043,6 @@
 
 <file path=ppt/tags/tag100.xml><?xml version="1.0" encoding="utf-8"?>
 <p:tagLst xmlns:p="http://schemas.openxmlformats.org/presentationml/2006/main">
-  <p:tag name="KSO_WM_UNIT_NOCLEAR" val="0"/>
-  <p:tag name="KSO_WM_UNIT_VALUE" val="100"/>
-  <p:tag name="KSO_WM_UNIT_HIGHLIGHT" val="0"/>
-  <p:tag name="KSO_WM_UNIT_COMPATIBLE" val="0"/>
-  <p:tag name="KSO_WM_UNIT_DIAGRAM_ISNUMVISUAL" val="0"/>
-  <p:tag name="KSO_WM_UNIT_DIAGRAM_ISREFERUNIT" val="0"/>
-  <p:tag name="KSO_WM_UNIT_TYPE" val="h_f"/>
-  <p:tag name="KSO_WM_UNIT_INDEX" val="1_1"/>
-  <p:tag name="KSO_WM_UNIT_ID" val="custom20196575_5*h_f*1_1"/>
-  <p:tag name="KSO_WM_TEMPLATE_CATEGORY" val="custom"/>
-  <p:tag name="KSO_WM_TEMPLATE_INDEX" val="20196575"/>
-  <p:tag name="KSO_WM_UNIT_LAYERLEVEL" val="1_1"/>
-  <p:tag name="KSO_WM_TAG_VERSION" val="1.0"/>
-  <p:tag name="KSO_WM_BEAUTIFY_FLAG" val="#wm#"/>
-  <p:tag name="KSO_WM_UNIT_PRESET_TEXT" val="单击此处添加文本具体内容，简明扼要的阐述您的观点。根据需要可酌情增减文字，以便观者准确的理解您传达的思想。单击此处添加文本具体内容，简明扼要的阐述您的观点。根据需要可酌情增减文字，以便观者准确的理解您传达的思想。"/>
-</p:tagLst>
-</file>
-
-<file path=ppt/tags/tag101.xml><?xml version="1.0" encoding="utf-8"?>
-<p:tagLst xmlns:p="http://schemas.openxmlformats.org/presentationml/2006/main">
   <p:tag name="KSO_WM_UNIT_HIGHLIGHT" val="0"/>
   <p:tag name="KSO_WM_UNIT_COMPATIBLE" val="0"/>
   <p:tag name="KSO_WM_UNIT_DIAGRAM_ISNUMVISUAL" val="0"/>
@@ -25166,7 +25058,7 @@
 </p:tagLst>
 </file>
 
-<file path=ppt/tags/tag102.xml><?xml version="1.0" encoding="utf-8"?>
+<file path=ppt/tags/tag101.xml><?xml version="1.0" encoding="utf-8"?>
 <p:tagLst xmlns:p="http://schemas.openxmlformats.org/presentationml/2006/main">
   <p:tag name="KSO_WM_UNIT_HIGHLIGHT" val="0"/>
   <p:tag name="KSO_WM_UNIT_COMPATIBLE" val="0"/>
@@ -25183,7 +25075,7 @@
 </p:tagLst>
 </file>
 
-<file path=ppt/tags/tag103.xml><?xml version="1.0" encoding="utf-8"?>
+<file path=ppt/tags/tag102.xml><?xml version="1.0" encoding="utf-8"?>
 <p:tagLst xmlns:p="http://schemas.openxmlformats.org/presentationml/2006/main">
   <p:tag name="KSO_WM_UNIT_ISCONTENTSTITLE" val="0"/>
   <p:tag name="KSO_WM_UNIT_NOCLEAR" val="0"/>
@@ -25204,7 +25096,7 @@
 </p:tagLst>
 </file>
 
-<file path=ppt/tags/tag104.xml><?xml version="1.0" encoding="utf-8"?>
+<file path=ppt/tags/tag103.xml><?xml version="1.0" encoding="utf-8"?>
 <p:tagLst xmlns:p="http://schemas.openxmlformats.org/presentationml/2006/main">
   <p:tag name="KSO_WM_UNIT_VALUE" val="922*1384"/>
   <p:tag name="KSO_WM_UNIT_HIGHLIGHT" val="0"/>
@@ -25222,7 +25114,7 @@
 </p:tagLst>
 </file>
 
-<file path=ppt/tags/tag105.xml><?xml version="1.0" encoding="utf-8"?>
+<file path=ppt/tags/tag104.xml><?xml version="1.0" encoding="utf-8"?>
 <p:tagLst xmlns:p="http://schemas.openxmlformats.org/presentationml/2006/main">
   <p:tag name="KSO_WM_UNIT_ISCONTENTSTITLE" val="0"/>
   <p:tag name="KSO_WM_UNIT_NOCLEAR" val="0"/>
@@ -25243,7 +25135,7 @@
 </p:tagLst>
 </file>
 
-<file path=ppt/tags/tag106.xml><?xml version="1.0" encoding="utf-8"?>
+<file path=ppt/tags/tag105.xml><?xml version="1.0" encoding="utf-8"?>
 <p:tagLst xmlns:p="http://schemas.openxmlformats.org/presentationml/2006/main">
   <p:tag name="KSO_WM_SLIDE_ID" val="custom20196575_5"/>
   <p:tag name="KSO_WM_TEMPLATE_SUBCATEGORY" val="0"/>
@@ -25262,7 +25154,7 @@
 </p:tagLst>
 </file>
 
-<file path=ppt/tags/tag107.xml><?xml version="1.0" encoding="utf-8"?>
+<file path=ppt/tags/tag106.xml><?xml version="1.0" encoding="utf-8"?>
 <p:tagLst xmlns:p="http://schemas.openxmlformats.org/presentationml/2006/main">
   <p:tag name="KSO_WM_UNIT_NOCLEAR" val="0"/>
   <p:tag name="KSO_WM_UNIT_VALUE" val="100"/>
@@ -25282,7 +25174,7 @@
 </p:tagLst>
 </file>
 
-<file path=ppt/tags/tag108.xml><?xml version="1.0" encoding="utf-8"?>
+<file path=ppt/tags/tag107.xml><?xml version="1.0" encoding="utf-8"?>
 <p:tagLst xmlns:p="http://schemas.openxmlformats.org/presentationml/2006/main">
   <p:tag name="KSO_WM_UNIT_HIGHLIGHT" val="0"/>
   <p:tag name="KSO_WM_UNIT_COMPATIBLE" val="0"/>
@@ -25299,7 +25191,7 @@
 </p:tagLst>
 </file>
 
-<file path=ppt/tags/tag109.xml><?xml version="1.0" encoding="utf-8"?>
+<file path=ppt/tags/tag108.xml><?xml version="1.0" encoding="utf-8"?>
 <p:tagLst xmlns:p="http://schemas.openxmlformats.org/presentationml/2006/main">
   <p:tag name="KSO_WM_UNIT_HIGHLIGHT" val="0"/>
   <p:tag name="KSO_WM_UNIT_COMPATIBLE" val="0"/>
@@ -25316,20 +25208,7 @@
 </p:tagLst>
 </file>
 
-<file path=ppt/tags/tag11.xml><?xml version="1.0" encoding="utf-8"?>
-<p:tagLst xmlns:p="http://schemas.openxmlformats.org/presentationml/2006/main">
-  <p:tag name="KSO_WM_UNIT_HIGHLIGHT" val="0"/>
-  <p:tag name="KSO_WM_UNIT_COMPATIBLE" val="0"/>
-  <p:tag name="KSO_WM_UNIT_DIAGRAM_ISNUMVISUAL" val="0"/>
-  <p:tag name="KSO_WM_UNIT_DIAGRAM_ISREFERUNIT" val="0"/>
-  <p:tag name="KSO_WM_UNIT_ID" val="_2**"/>
-  <p:tag name="KSO_WM_UNIT_LAYERLEVEL" val="1"/>
-  <p:tag name="KSO_WM_TAG_VERSION" val="1.0"/>
-  <p:tag name="KSO_WM_BEAUTIFY_FLAG" val="#wm#"/>
-</p:tagLst>
-</file>
-
-<file path=ppt/tags/tag110.xml><?xml version="1.0" encoding="utf-8"?>
+<file path=ppt/tags/tag109.xml><?xml version="1.0" encoding="utf-8"?>
 <p:tagLst xmlns:p="http://schemas.openxmlformats.org/presentationml/2006/main">
   <p:tag name="KSO_WM_UNIT_ISCONTENTSTITLE" val="0"/>
   <p:tag name="KSO_WM_UNIT_NOCLEAR" val="0"/>
@@ -25350,7 +25229,20 @@
 </p:tagLst>
 </file>
 
-<file path=ppt/tags/tag111.xml><?xml version="1.0" encoding="utf-8"?>
+<file path=ppt/tags/tag11.xml><?xml version="1.0" encoding="utf-8"?>
+<p:tagLst xmlns:p="http://schemas.openxmlformats.org/presentationml/2006/main">
+  <p:tag name="KSO_WM_UNIT_HIGHLIGHT" val="0"/>
+  <p:tag name="KSO_WM_UNIT_COMPATIBLE" val="0"/>
+  <p:tag name="KSO_WM_UNIT_DIAGRAM_ISNUMVISUAL" val="0"/>
+  <p:tag name="KSO_WM_UNIT_DIAGRAM_ISREFERUNIT" val="0"/>
+  <p:tag name="KSO_WM_UNIT_ID" val="_2**"/>
+  <p:tag name="KSO_WM_UNIT_LAYERLEVEL" val="1"/>
+  <p:tag name="KSO_WM_TAG_VERSION" val="1.0"/>
+  <p:tag name="KSO_WM_BEAUTIFY_FLAG" val="#wm#"/>
+</p:tagLst>
+</file>
+
+<file path=ppt/tags/tag110.xml><?xml version="1.0" encoding="utf-8"?>
 <p:tagLst xmlns:p="http://schemas.openxmlformats.org/presentationml/2006/main">
   <p:tag name="KSO_WM_UNIT_VALUE" val="922*1384"/>
   <p:tag name="KSO_WM_UNIT_HIGHLIGHT" val="0"/>
@@ -25368,7 +25260,7 @@
 </p:tagLst>
 </file>
 
-<file path=ppt/tags/tag112.xml><?xml version="1.0" encoding="utf-8"?>
+<file path=ppt/tags/tag111.xml><?xml version="1.0" encoding="utf-8"?>
 <p:tagLst xmlns:p="http://schemas.openxmlformats.org/presentationml/2006/main">
   <p:tag name="KSO_WM_UNIT_ISCONTENTSTITLE" val="0"/>
   <p:tag name="KSO_WM_UNIT_NOCLEAR" val="0"/>
@@ -25389,7 +25281,7 @@
 </p:tagLst>
 </file>
 
-<file path=ppt/tags/tag113.xml><?xml version="1.0" encoding="utf-8"?>
+<file path=ppt/tags/tag112.xml><?xml version="1.0" encoding="utf-8"?>
 <p:tagLst xmlns:p="http://schemas.openxmlformats.org/presentationml/2006/main">
   <p:tag name="KSO_WM_SLIDE_ID" val="custom20196575_5"/>
   <p:tag name="KSO_WM_TEMPLATE_SUBCATEGORY" val="0"/>
@@ -25408,7 +25300,7 @@
 </p:tagLst>
 </file>
 
-<file path=ppt/tags/tag114.xml><?xml version="1.0" encoding="utf-8"?>
+<file path=ppt/tags/tag113.xml><?xml version="1.0" encoding="utf-8"?>
 <p:tagLst xmlns:p="http://schemas.openxmlformats.org/presentationml/2006/main">
   <p:tag name="KSO_WM_UNIT_NOCLEAR" val="0"/>
   <p:tag name="KSO_WM_UNIT_VALUE" val="100"/>
@@ -25428,7 +25320,7 @@
 </p:tagLst>
 </file>
 
-<file path=ppt/tags/tag115.xml><?xml version="1.0" encoding="utf-8"?>
+<file path=ppt/tags/tag114.xml><?xml version="1.0" encoding="utf-8"?>
 <p:tagLst xmlns:p="http://schemas.openxmlformats.org/presentationml/2006/main">
   <p:tag name="KSO_WM_UNIT_HIGHLIGHT" val="0"/>
   <p:tag name="KSO_WM_UNIT_COMPATIBLE" val="0"/>
@@ -25445,7 +25337,7 @@
 </p:tagLst>
 </file>
 
-<file path=ppt/tags/tag116.xml><?xml version="1.0" encoding="utf-8"?>
+<file path=ppt/tags/tag115.xml><?xml version="1.0" encoding="utf-8"?>
 <p:tagLst xmlns:p="http://schemas.openxmlformats.org/presentationml/2006/main">
   <p:tag name="KSO_WM_UNIT_HIGHLIGHT" val="0"/>
   <p:tag name="KSO_WM_UNIT_COMPATIBLE" val="0"/>
@@ -25462,7 +25354,7 @@
 </p:tagLst>
 </file>
 
-<file path=ppt/tags/tag117.xml><?xml version="1.0" encoding="utf-8"?>
+<file path=ppt/tags/tag116.xml><?xml version="1.0" encoding="utf-8"?>
 <p:tagLst xmlns:p="http://schemas.openxmlformats.org/presentationml/2006/main">
   <p:tag name="KSO_WM_UNIT_ISCONTENTSTITLE" val="0"/>
   <p:tag name="KSO_WM_UNIT_NOCLEAR" val="0"/>
@@ -25483,7 +25375,7 @@
 </p:tagLst>
 </file>
 
-<file path=ppt/tags/tag118.xml><?xml version="1.0" encoding="utf-8"?>
+<file path=ppt/tags/tag117.xml><?xml version="1.0" encoding="utf-8"?>
 <p:tagLst xmlns:p="http://schemas.openxmlformats.org/presentationml/2006/main">
   <p:tag name="KSO_WM_SLIDE_ID" val="custom20196575_5"/>
   <p:tag name="KSO_WM_TEMPLATE_SUBCATEGORY" val="0"/>
@@ -25502,7 +25394,7 @@
 </p:tagLst>
 </file>
 
-<file path=ppt/tags/tag119.xml><?xml version="1.0" encoding="utf-8"?>
+<file path=ppt/tags/tag118.xml><?xml version="1.0" encoding="utf-8"?>
 <p:tagLst xmlns:p="http://schemas.openxmlformats.org/presentationml/2006/main">
   <p:tag name="KSO_WM_UNIT_NOCLEAR" val="0"/>
   <p:tag name="KSO_WM_UNIT_VALUE" val="100"/>
@@ -25519,6 +25411,23 @@
   <p:tag name="KSO_WM_TAG_VERSION" val="1.0"/>
   <p:tag name="KSO_WM_BEAUTIFY_FLAG" val="#wm#"/>
   <p:tag name="KSO_WM_UNIT_PRESET_TEXT" val="单击此处添加文本具体内容，简明扼要的阐述您的观点。根据需要可酌情增减文字，以便观者准确的理解您传达的思想。单击此处添加文本具体内容，简明扼要的阐述您的观点。根据需要可酌情增减文字，以便观者准确的理解您传达的思想。"/>
+</p:tagLst>
+</file>
+
+<file path=ppt/tags/tag119.xml><?xml version="1.0" encoding="utf-8"?>
+<p:tagLst xmlns:p="http://schemas.openxmlformats.org/presentationml/2006/main">
+  <p:tag name="KSO_WM_UNIT_HIGHLIGHT" val="0"/>
+  <p:tag name="KSO_WM_UNIT_COMPATIBLE" val="0"/>
+  <p:tag name="KSO_WM_UNIT_DIAGRAM_ISNUMVISUAL" val="0"/>
+  <p:tag name="KSO_WM_UNIT_DIAGRAM_ISREFERUNIT" val="0"/>
+  <p:tag name="KSO_WM_UNIT_TYPE" val="i"/>
+  <p:tag name="KSO_WM_UNIT_INDEX" val="1"/>
+  <p:tag name="KSO_WM_UNIT_ID" val="custom20196575_5*i*1"/>
+  <p:tag name="KSO_WM_TEMPLATE_CATEGORY" val="custom"/>
+  <p:tag name="KSO_WM_TEMPLATE_INDEX" val="20196575"/>
+  <p:tag name="KSO_WM_UNIT_LAYERLEVEL" val="1"/>
+  <p:tag name="KSO_WM_TAG_VERSION" val="1.0"/>
+  <p:tag name="KSO_WM_BEAUTIFY_FLAG" val="#wm#"/>
 </p:tagLst>
 </file>
 
@@ -25542,23 +25451,6 @@
   <p:tag name="KSO_WM_UNIT_DIAGRAM_ISNUMVISUAL" val="0"/>
   <p:tag name="KSO_WM_UNIT_DIAGRAM_ISREFERUNIT" val="0"/>
   <p:tag name="KSO_WM_UNIT_TYPE" val="i"/>
-  <p:tag name="KSO_WM_UNIT_INDEX" val="1"/>
-  <p:tag name="KSO_WM_UNIT_ID" val="custom20196575_5*i*1"/>
-  <p:tag name="KSO_WM_TEMPLATE_CATEGORY" val="custom"/>
-  <p:tag name="KSO_WM_TEMPLATE_INDEX" val="20196575"/>
-  <p:tag name="KSO_WM_UNIT_LAYERLEVEL" val="1"/>
-  <p:tag name="KSO_WM_TAG_VERSION" val="1.0"/>
-  <p:tag name="KSO_WM_BEAUTIFY_FLAG" val="#wm#"/>
-</p:tagLst>
-</file>
-
-<file path=ppt/tags/tag121.xml><?xml version="1.0" encoding="utf-8"?>
-<p:tagLst xmlns:p="http://schemas.openxmlformats.org/presentationml/2006/main">
-  <p:tag name="KSO_WM_UNIT_HIGHLIGHT" val="0"/>
-  <p:tag name="KSO_WM_UNIT_COMPATIBLE" val="0"/>
-  <p:tag name="KSO_WM_UNIT_DIAGRAM_ISNUMVISUAL" val="0"/>
-  <p:tag name="KSO_WM_UNIT_DIAGRAM_ISREFERUNIT" val="0"/>
-  <p:tag name="KSO_WM_UNIT_TYPE" val="i"/>
   <p:tag name="KSO_WM_UNIT_INDEX" val="2"/>
   <p:tag name="KSO_WM_UNIT_ID" val="custom20196575_5*i*2"/>
   <p:tag name="KSO_WM_TEMPLATE_CATEGORY" val="custom"/>
@@ -25569,7 +25461,7 @@
 </p:tagLst>
 </file>
 
-<file path=ppt/tags/tag122.xml><?xml version="1.0" encoding="utf-8"?>
+<file path=ppt/tags/tag121.xml><?xml version="1.0" encoding="utf-8"?>
 <p:tagLst xmlns:p="http://schemas.openxmlformats.org/presentationml/2006/main">
   <p:tag name="KSO_WM_UNIT_ISCONTENTSTITLE" val="0"/>
   <p:tag name="KSO_WM_UNIT_NOCLEAR" val="0"/>
@@ -25590,7 +25482,7 @@
 </p:tagLst>
 </file>
 
-<file path=ppt/tags/tag123.xml><?xml version="1.0" encoding="utf-8"?>
+<file path=ppt/tags/tag122.xml><?xml version="1.0" encoding="utf-8"?>
 <p:tagLst xmlns:p="http://schemas.openxmlformats.org/presentationml/2006/main">
   <p:tag name="KSO_WM_SLIDE_ID" val="custom20196575_5"/>
   <p:tag name="KSO_WM_TEMPLATE_SUBCATEGORY" val="0"/>
@@ -25609,7 +25501,7 @@
 </p:tagLst>
 </file>
 
-<file path=ppt/tags/tag124.xml><?xml version="1.0" encoding="utf-8"?>
+<file path=ppt/tags/tag123.xml><?xml version="1.0" encoding="utf-8"?>
 <p:tagLst xmlns:p="http://schemas.openxmlformats.org/presentationml/2006/main">
   <p:tag name="KSO_WM_UNIT_NOCLEAR" val="0"/>
   <p:tag name="KSO_WM_UNIT_VALUE" val="100"/>
@@ -25629,7 +25521,7 @@
 </p:tagLst>
 </file>
 
-<file path=ppt/tags/tag125.xml><?xml version="1.0" encoding="utf-8"?>
+<file path=ppt/tags/tag124.xml><?xml version="1.0" encoding="utf-8"?>
 <p:tagLst xmlns:p="http://schemas.openxmlformats.org/presentationml/2006/main">
   <p:tag name="KSO_WM_UNIT_HIGHLIGHT" val="0"/>
   <p:tag name="KSO_WM_UNIT_COMPATIBLE" val="0"/>
@@ -25646,7 +25538,7 @@
 </p:tagLst>
 </file>
 
-<file path=ppt/tags/tag126.xml><?xml version="1.0" encoding="utf-8"?>
+<file path=ppt/tags/tag125.xml><?xml version="1.0" encoding="utf-8"?>
 <p:tagLst xmlns:p="http://schemas.openxmlformats.org/presentationml/2006/main">
   <p:tag name="KSO_WM_UNIT_HIGHLIGHT" val="0"/>
   <p:tag name="KSO_WM_UNIT_COMPATIBLE" val="0"/>
@@ -25663,7 +25555,7 @@
 </p:tagLst>
 </file>
 
-<file path=ppt/tags/tag127.xml><?xml version="1.0" encoding="utf-8"?>
+<file path=ppt/tags/tag126.xml><?xml version="1.0" encoding="utf-8"?>
 <p:tagLst xmlns:p="http://schemas.openxmlformats.org/presentationml/2006/main">
   <p:tag name="KSO_WM_UNIT_ISCONTENTSTITLE" val="0"/>
   <p:tag name="KSO_WM_UNIT_NOCLEAR" val="0"/>
@@ -25684,7 +25576,7 @@
 </p:tagLst>
 </file>
 
-<file path=ppt/tags/tag128.xml><?xml version="1.0" encoding="utf-8"?>
+<file path=ppt/tags/tag127.xml><?xml version="1.0" encoding="utf-8"?>
 <p:tagLst xmlns:p="http://schemas.openxmlformats.org/presentationml/2006/main">
   <p:tag name="KSO_WM_SLIDE_ID" val="custom20196575_5"/>
   <p:tag name="KSO_WM_TEMPLATE_SUBCATEGORY" val="0"/>
@@ -25703,7 +25595,7 @@
 </p:tagLst>
 </file>
 
-<file path=ppt/tags/tag129.xml><?xml version="1.0" encoding="utf-8"?>
+<file path=ppt/tags/tag128.xml><?xml version="1.0" encoding="utf-8"?>
 <p:tagLst xmlns:p="http://schemas.openxmlformats.org/presentationml/2006/main">
   <p:tag name="KSO_WM_UNIT_NOCLEAR" val="0"/>
   <p:tag name="KSO_WM_UNIT_VALUE" val="100"/>
@@ -25720,6 +25612,23 @@
   <p:tag name="KSO_WM_TAG_VERSION" val="1.0"/>
   <p:tag name="KSO_WM_BEAUTIFY_FLAG" val="#wm#"/>
   <p:tag name="KSO_WM_UNIT_PRESET_TEXT" val="单击此处添加文本具体内容，简明扼要的阐述您的观点。根据需要可酌情增减文字，以便观者准确的理解您传达的思想。单击此处添加文本具体内容，简明扼要的阐述您的观点。根据需要可酌情增减文字，以便观者准确的理解您传达的思想。"/>
+</p:tagLst>
+</file>
+
+<file path=ppt/tags/tag129.xml><?xml version="1.0" encoding="utf-8"?>
+<p:tagLst xmlns:p="http://schemas.openxmlformats.org/presentationml/2006/main">
+  <p:tag name="KSO_WM_UNIT_HIGHLIGHT" val="0"/>
+  <p:tag name="KSO_WM_UNIT_COMPATIBLE" val="0"/>
+  <p:tag name="KSO_WM_UNIT_DIAGRAM_ISNUMVISUAL" val="0"/>
+  <p:tag name="KSO_WM_UNIT_DIAGRAM_ISREFERUNIT" val="0"/>
+  <p:tag name="KSO_WM_UNIT_TYPE" val="i"/>
+  <p:tag name="KSO_WM_UNIT_INDEX" val="1"/>
+  <p:tag name="KSO_WM_UNIT_ID" val="custom20196575_5*i*1"/>
+  <p:tag name="KSO_WM_TEMPLATE_CATEGORY" val="custom"/>
+  <p:tag name="KSO_WM_TEMPLATE_INDEX" val="20196575"/>
+  <p:tag name="KSO_WM_UNIT_LAYERLEVEL" val="1"/>
+  <p:tag name="KSO_WM_TAG_VERSION" val="1.0"/>
+  <p:tag name="KSO_WM_BEAUTIFY_FLAG" val="#wm#"/>
 </p:tagLst>
 </file>
 
@@ -25743,23 +25652,6 @@
   <p:tag name="KSO_WM_UNIT_DIAGRAM_ISNUMVISUAL" val="0"/>
   <p:tag name="KSO_WM_UNIT_DIAGRAM_ISREFERUNIT" val="0"/>
   <p:tag name="KSO_WM_UNIT_TYPE" val="i"/>
-  <p:tag name="KSO_WM_UNIT_INDEX" val="1"/>
-  <p:tag name="KSO_WM_UNIT_ID" val="custom20196575_5*i*1"/>
-  <p:tag name="KSO_WM_TEMPLATE_CATEGORY" val="custom"/>
-  <p:tag name="KSO_WM_TEMPLATE_INDEX" val="20196575"/>
-  <p:tag name="KSO_WM_UNIT_LAYERLEVEL" val="1"/>
-  <p:tag name="KSO_WM_TAG_VERSION" val="1.0"/>
-  <p:tag name="KSO_WM_BEAUTIFY_FLAG" val="#wm#"/>
-</p:tagLst>
-</file>
-
-<file path=ppt/tags/tag131.xml><?xml version="1.0" encoding="utf-8"?>
-<p:tagLst xmlns:p="http://schemas.openxmlformats.org/presentationml/2006/main">
-  <p:tag name="KSO_WM_UNIT_HIGHLIGHT" val="0"/>
-  <p:tag name="KSO_WM_UNIT_COMPATIBLE" val="0"/>
-  <p:tag name="KSO_WM_UNIT_DIAGRAM_ISNUMVISUAL" val="0"/>
-  <p:tag name="KSO_WM_UNIT_DIAGRAM_ISREFERUNIT" val="0"/>
-  <p:tag name="KSO_WM_UNIT_TYPE" val="i"/>
   <p:tag name="KSO_WM_UNIT_INDEX" val="2"/>
   <p:tag name="KSO_WM_UNIT_ID" val="custom20196575_5*i*2"/>
   <p:tag name="KSO_WM_TEMPLATE_CATEGORY" val="custom"/>
@@ -25770,7 +25662,7 @@
 </p:tagLst>
 </file>
 
-<file path=ppt/tags/tag132.xml><?xml version="1.0" encoding="utf-8"?>
+<file path=ppt/tags/tag131.xml><?xml version="1.0" encoding="utf-8"?>
 <p:tagLst xmlns:p="http://schemas.openxmlformats.org/presentationml/2006/main">
   <p:tag name="KSO_WM_UNIT_ISCONTENTSTITLE" val="0"/>
   <p:tag name="KSO_WM_UNIT_NOCLEAR" val="0"/>
@@ -25791,7 +25683,7 @@
 </p:tagLst>
 </file>
 
-<file path=ppt/tags/tag133.xml><?xml version="1.0" encoding="utf-8"?>
+<file path=ppt/tags/tag132.xml><?xml version="1.0" encoding="utf-8"?>
 <p:tagLst xmlns:p="http://schemas.openxmlformats.org/presentationml/2006/main">
   <p:tag name="KSO_WM_SLIDE_ID" val="custom20196575_5"/>
   <p:tag name="KSO_WM_TEMPLATE_SUBCATEGORY" val="0"/>
@@ -25810,7 +25702,7 @@
 </p:tagLst>
 </file>
 
-<file path=ppt/tags/tag134.xml><?xml version="1.0" encoding="utf-8"?>
+<file path=ppt/tags/tag133.xml><?xml version="1.0" encoding="utf-8"?>
 <p:tagLst xmlns:p="http://schemas.openxmlformats.org/presentationml/2006/main">
   <p:tag name="KSO_WM_UNIT_NOCLEAR" val="0"/>
   <p:tag name="KSO_WM_UNIT_VALUE" val="100"/>
@@ -25830,7 +25722,7 @@
 </p:tagLst>
 </file>
 
-<file path=ppt/tags/tag135.xml><?xml version="1.0" encoding="utf-8"?>
+<file path=ppt/tags/tag134.xml><?xml version="1.0" encoding="utf-8"?>
 <p:tagLst xmlns:p="http://schemas.openxmlformats.org/presentationml/2006/main">
   <p:tag name="KSO_WM_UNIT_HIGHLIGHT" val="0"/>
   <p:tag name="KSO_WM_UNIT_COMPATIBLE" val="0"/>
@@ -25847,7 +25739,7 @@
 </p:tagLst>
 </file>
 
-<file path=ppt/tags/tag136.xml><?xml version="1.0" encoding="utf-8"?>
+<file path=ppt/tags/tag135.xml><?xml version="1.0" encoding="utf-8"?>
 <p:tagLst xmlns:p="http://schemas.openxmlformats.org/presentationml/2006/main">
   <p:tag name="KSO_WM_UNIT_HIGHLIGHT" val="0"/>
   <p:tag name="KSO_WM_UNIT_COMPATIBLE" val="0"/>
@@ -25864,7 +25756,7 @@
 </p:tagLst>
 </file>
 
-<file path=ppt/tags/tag137.xml><?xml version="1.0" encoding="utf-8"?>
+<file path=ppt/tags/tag136.xml><?xml version="1.0" encoding="utf-8"?>
 <p:tagLst xmlns:p="http://schemas.openxmlformats.org/presentationml/2006/main">
   <p:tag name="KSO_WM_UNIT_ISCONTENTSTITLE" val="0"/>
   <p:tag name="KSO_WM_UNIT_NOCLEAR" val="0"/>
@@ -25885,7 +25777,7 @@
 </p:tagLst>
 </file>
 
-<file path=ppt/tags/tag138.xml><?xml version="1.0" encoding="utf-8"?>
+<file path=ppt/tags/tag137.xml><?xml version="1.0" encoding="utf-8"?>
 <p:tagLst xmlns:p="http://schemas.openxmlformats.org/presentationml/2006/main">
   <p:tag name="KSO_WM_SLIDE_ID" val="custom20196575_5"/>
   <p:tag name="KSO_WM_TEMPLATE_SUBCATEGORY" val="0"/>
@@ -25904,7 +25796,7 @@
 </p:tagLst>
 </file>
 
-<file path=ppt/tags/tag139.xml><?xml version="1.0" encoding="utf-8"?>
+<file path=ppt/tags/tag138.xml><?xml version="1.0" encoding="utf-8"?>
 <p:tagLst xmlns:p="http://schemas.openxmlformats.org/presentationml/2006/main">
   <p:tag name="KSO_WM_UNIT_NOCLEAR" val="0"/>
   <p:tag name="KSO_WM_UNIT_VALUE" val="100"/>
@@ -25921,6 +25813,23 @@
   <p:tag name="KSO_WM_TAG_VERSION" val="1.0"/>
   <p:tag name="KSO_WM_BEAUTIFY_FLAG" val="#wm#"/>
   <p:tag name="KSO_WM_UNIT_PRESET_TEXT" val="单击此处添加文本具体内容，简明扼要的阐述您的观点。根据需要可酌情增减文字，以便观者准确的理解您传达的思想。单击此处添加文本具体内容，简明扼要的阐述您的观点。根据需要可酌情增减文字，以便观者准确的理解您传达的思想。"/>
+</p:tagLst>
+</file>
+
+<file path=ppt/tags/tag139.xml><?xml version="1.0" encoding="utf-8"?>
+<p:tagLst xmlns:p="http://schemas.openxmlformats.org/presentationml/2006/main">
+  <p:tag name="KSO_WM_UNIT_HIGHLIGHT" val="0"/>
+  <p:tag name="KSO_WM_UNIT_COMPATIBLE" val="0"/>
+  <p:tag name="KSO_WM_UNIT_DIAGRAM_ISNUMVISUAL" val="0"/>
+  <p:tag name="KSO_WM_UNIT_DIAGRAM_ISREFERUNIT" val="0"/>
+  <p:tag name="KSO_WM_UNIT_TYPE" val="i"/>
+  <p:tag name="KSO_WM_UNIT_INDEX" val="1"/>
+  <p:tag name="KSO_WM_UNIT_ID" val="custom20196575_5*i*1"/>
+  <p:tag name="KSO_WM_TEMPLATE_CATEGORY" val="custom"/>
+  <p:tag name="KSO_WM_TEMPLATE_INDEX" val="20196575"/>
+  <p:tag name="KSO_WM_UNIT_LAYERLEVEL" val="1"/>
+  <p:tag name="KSO_WM_TAG_VERSION" val="1.0"/>
+  <p:tag name="KSO_WM_BEAUTIFY_FLAG" val="#wm#"/>
 </p:tagLst>
 </file>
 
@@ -25944,23 +25853,6 @@
   <p:tag name="KSO_WM_UNIT_DIAGRAM_ISNUMVISUAL" val="0"/>
   <p:tag name="KSO_WM_UNIT_DIAGRAM_ISREFERUNIT" val="0"/>
   <p:tag name="KSO_WM_UNIT_TYPE" val="i"/>
-  <p:tag name="KSO_WM_UNIT_INDEX" val="1"/>
-  <p:tag name="KSO_WM_UNIT_ID" val="custom20196575_5*i*1"/>
-  <p:tag name="KSO_WM_TEMPLATE_CATEGORY" val="custom"/>
-  <p:tag name="KSO_WM_TEMPLATE_INDEX" val="20196575"/>
-  <p:tag name="KSO_WM_UNIT_LAYERLEVEL" val="1"/>
-  <p:tag name="KSO_WM_TAG_VERSION" val="1.0"/>
-  <p:tag name="KSO_WM_BEAUTIFY_FLAG" val="#wm#"/>
-</p:tagLst>
-</file>
-
-<file path=ppt/tags/tag141.xml><?xml version="1.0" encoding="utf-8"?>
-<p:tagLst xmlns:p="http://schemas.openxmlformats.org/presentationml/2006/main">
-  <p:tag name="KSO_WM_UNIT_HIGHLIGHT" val="0"/>
-  <p:tag name="KSO_WM_UNIT_COMPATIBLE" val="0"/>
-  <p:tag name="KSO_WM_UNIT_DIAGRAM_ISNUMVISUAL" val="0"/>
-  <p:tag name="KSO_WM_UNIT_DIAGRAM_ISREFERUNIT" val="0"/>
-  <p:tag name="KSO_WM_UNIT_TYPE" val="i"/>
   <p:tag name="KSO_WM_UNIT_INDEX" val="2"/>
   <p:tag name="KSO_WM_UNIT_ID" val="custom20196575_5*i*2"/>
   <p:tag name="KSO_WM_TEMPLATE_CATEGORY" val="custom"/>
@@ -25971,7 +25863,7 @@
 </p:tagLst>
 </file>
 
-<file path=ppt/tags/tag142.xml><?xml version="1.0" encoding="utf-8"?>
+<file path=ppt/tags/tag141.xml><?xml version="1.0" encoding="utf-8"?>
 <p:tagLst xmlns:p="http://schemas.openxmlformats.org/presentationml/2006/main">
   <p:tag name="KSO_WM_UNIT_ISCONTENTSTITLE" val="0"/>
   <p:tag name="KSO_WM_UNIT_NOCLEAR" val="0"/>
@@ -25992,7 +25884,7 @@
 </p:tagLst>
 </file>
 
-<file path=ppt/tags/tag143.xml><?xml version="1.0" encoding="utf-8"?>
+<file path=ppt/tags/tag142.xml><?xml version="1.0" encoding="utf-8"?>
 <p:tagLst xmlns:p="http://schemas.openxmlformats.org/presentationml/2006/main">
   <p:tag name="KSO_WM_SLIDE_ID" val="custom20196575_5"/>
   <p:tag name="KSO_WM_TEMPLATE_SUBCATEGORY" val="0"/>
@@ -26011,7 +25903,7 @@
 </p:tagLst>
 </file>
 
-<file path=ppt/tags/tag144.xml><?xml version="1.0" encoding="utf-8"?>
+<file path=ppt/tags/tag143.xml><?xml version="1.0" encoding="utf-8"?>
 <p:tagLst xmlns:p="http://schemas.openxmlformats.org/presentationml/2006/main">
   <p:tag name="KSO_WM_UNIT_NOCLEAR" val="0"/>
   <p:tag name="KSO_WM_UNIT_VALUE" val="100"/>
@@ -26031,7 +25923,7 @@
 </p:tagLst>
 </file>
 
-<file path=ppt/tags/tag145.xml><?xml version="1.0" encoding="utf-8"?>
+<file path=ppt/tags/tag144.xml><?xml version="1.0" encoding="utf-8"?>
 <p:tagLst xmlns:p="http://schemas.openxmlformats.org/presentationml/2006/main">
   <p:tag name="KSO_WM_UNIT_HIGHLIGHT" val="0"/>
   <p:tag name="KSO_WM_UNIT_COMPATIBLE" val="0"/>
@@ -26048,7 +25940,7 @@
 </p:tagLst>
 </file>
 
-<file path=ppt/tags/tag146.xml><?xml version="1.0" encoding="utf-8"?>
+<file path=ppt/tags/tag145.xml><?xml version="1.0" encoding="utf-8"?>
 <p:tagLst xmlns:p="http://schemas.openxmlformats.org/presentationml/2006/main">
   <p:tag name="KSO_WM_UNIT_HIGHLIGHT" val="0"/>
   <p:tag name="KSO_WM_UNIT_COMPATIBLE" val="0"/>
@@ -26065,7 +25957,7 @@
 </p:tagLst>
 </file>
 
-<file path=ppt/tags/tag147.xml><?xml version="1.0" encoding="utf-8"?>
+<file path=ppt/tags/tag146.xml><?xml version="1.0" encoding="utf-8"?>
 <p:tagLst xmlns:p="http://schemas.openxmlformats.org/presentationml/2006/main">
   <p:tag name="KSO_WM_UNIT_ISCONTENTSTITLE" val="0"/>
   <p:tag name="KSO_WM_UNIT_NOCLEAR" val="0"/>
@@ -26086,7 +25978,7 @@
 </p:tagLst>
 </file>
 
-<file path=ppt/tags/tag148.xml><?xml version="1.0" encoding="utf-8"?>
+<file path=ppt/tags/tag147.xml><?xml version="1.0" encoding="utf-8"?>
 <p:tagLst xmlns:p="http://schemas.openxmlformats.org/presentationml/2006/main">
   <p:tag name="KSO_WM_SLIDE_ID" val="custom20196575_5"/>
   <p:tag name="KSO_WM_TEMPLATE_SUBCATEGORY" val="0"/>
@@ -26106,7 +25998,7 @@
 </p:tagLst>
 </file>
 
-<file path=ppt/tags/tag149.xml><?xml version="1.0" encoding="utf-8"?>
+<file path=ppt/tags/tag148.xml><?xml version="1.0" encoding="utf-8"?>
 <p:tagLst xmlns:p="http://schemas.openxmlformats.org/presentationml/2006/main">
   <p:tag name="KSO_WM_UNIT_ISCONTENTSTITLE" val="0"/>
   <p:tag name="KSO_WM_UNIT_NOCLEAR" val="0"/>
@@ -26127,20 +26019,7 @@
 </p:tagLst>
 </file>
 
-<file path=ppt/tags/tag15.xml><?xml version="1.0" encoding="utf-8"?>
-<p:tagLst xmlns:p="http://schemas.openxmlformats.org/presentationml/2006/main">
-  <p:tag name="KSO_WM_UNIT_HIGHLIGHT" val="0"/>
-  <p:tag name="KSO_WM_UNIT_COMPATIBLE" val="0"/>
-  <p:tag name="KSO_WM_UNIT_DIAGRAM_ISNUMVISUAL" val="0"/>
-  <p:tag name="KSO_WM_UNIT_DIAGRAM_ISREFERUNIT" val="0"/>
-  <p:tag name="KSO_WM_UNIT_ID" val="_2**"/>
-  <p:tag name="KSO_WM_UNIT_LAYERLEVEL" val="1"/>
-  <p:tag name="KSO_WM_TAG_VERSION" val="1.0"/>
-  <p:tag name="KSO_WM_BEAUTIFY_FLAG" val="#wm#"/>
-</p:tagLst>
-</file>
-
-<file path=ppt/tags/tag150.xml><?xml version="1.0" encoding="utf-8"?>
+<file path=ppt/tags/tag149.xml><?xml version="1.0" encoding="utf-8"?>
 <p:tagLst xmlns:p="http://schemas.openxmlformats.org/presentationml/2006/main">
   <p:tag name="KSO_WM_UNIT_NOCLEAR" val="0"/>
   <p:tag name="KSO_WM_UNIT_VALUE" val="2"/>
@@ -26160,7 +26039,20 @@
 </p:tagLst>
 </file>
 
-<file path=ppt/tags/tag151.xml><?xml version="1.0" encoding="utf-8"?>
+<file path=ppt/tags/tag15.xml><?xml version="1.0" encoding="utf-8"?>
+<p:tagLst xmlns:p="http://schemas.openxmlformats.org/presentationml/2006/main">
+  <p:tag name="KSO_WM_UNIT_HIGHLIGHT" val="0"/>
+  <p:tag name="KSO_WM_UNIT_COMPATIBLE" val="0"/>
+  <p:tag name="KSO_WM_UNIT_DIAGRAM_ISNUMVISUAL" val="0"/>
+  <p:tag name="KSO_WM_UNIT_DIAGRAM_ISREFERUNIT" val="0"/>
+  <p:tag name="KSO_WM_UNIT_ID" val="_2**"/>
+  <p:tag name="KSO_WM_UNIT_LAYERLEVEL" val="1"/>
+  <p:tag name="KSO_WM_TAG_VERSION" val="1.0"/>
+  <p:tag name="KSO_WM_BEAUTIFY_FLAG" val="#wm#"/>
+</p:tagLst>
+</file>
+
+<file path=ppt/tags/tag150.xml><?xml version="1.0" encoding="utf-8"?>
 <p:tagLst xmlns:p="http://schemas.openxmlformats.org/presentationml/2006/main">
   <p:tag name="KSO_WM_SLIDE_ID" val="custom20196575_3"/>
   <p:tag name="KSO_WM_TEMPLATE_SUBCATEGORY" val="0"/>
@@ -26177,7 +26069,7 @@
 </p:tagLst>
 </file>
 
-<file path=ppt/tags/tag152.xml><?xml version="1.0" encoding="utf-8"?>
+<file path=ppt/tags/tag151.xml><?xml version="1.0" encoding="utf-8"?>
 <p:tagLst xmlns:p="http://schemas.openxmlformats.org/presentationml/2006/main">
   <p:tag name="KSO_WM_UNIT_TIMELINE_IDINGROUP" val="1"/>
   <p:tag name="KSO_WM_UNIT_TIMELINE_EMPHASIS_ID" val="1"/>
@@ -26200,7 +26092,7 @@
 </p:tagLst>
 </file>
 
-<file path=ppt/tags/tag153.xml><?xml version="1.0" encoding="utf-8"?>
+<file path=ppt/tags/tag152.xml><?xml version="1.0" encoding="utf-8"?>
 <p:tagLst xmlns:p="http://schemas.openxmlformats.org/presentationml/2006/main">
   <p:tag name="KSO_WM_UNIT_TIMELINE_IDINGROUP" val="2"/>
   <p:tag name="KSO_WM_UNIT_TIMELINE_EMPHASIS_ID" val="2"/>
@@ -26223,7 +26115,7 @@
 </p:tagLst>
 </file>
 
-<file path=ppt/tags/tag154.xml><?xml version="1.0" encoding="utf-8"?>
+<file path=ppt/tags/tag153.xml><?xml version="1.0" encoding="utf-8"?>
 <p:tagLst xmlns:p="http://schemas.openxmlformats.org/presentationml/2006/main">
   <p:tag name="KSO_WM_UNIT_TIMELINE_IDINGROUP" val="3"/>
   <p:tag name="KSO_WM_UNIT_TIMELINE_EMPHASIS_ID" val="3"/>
@@ -26248,7 +26140,7 @@
 </p:tagLst>
 </file>
 
-<file path=ppt/tags/tag155.xml><?xml version="1.0" encoding="utf-8"?>
+<file path=ppt/tags/tag154.xml><?xml version="1.0" encoding="utf-8"?>
 <p:tagLst xmlns:p="http://schemas.openxmlformats.org/presentationml/2006/main">
   <p:tag name="KSO_WM_UNIT_TIMELINE_IDINGROUP" val="4"/>
   <p:tag name="KSO_WM_UNIT_TIMELINE_EMPHASIS_ID" val="4"/>
@@ -26272,7 +26164,7 @@
 </p:tagLst>
 </file>
 
-<file path=ppt/tags/tag156.xml><?xml version="1.0" encoding="utf-8"?>
+<file path=ppt/tags/tag155.xml><?xml version="1.0" encoding="utf-8"?>
 <p:tagLst xmlns:p="http://schemas.openxmlformats.org/presentationml/2006/main">
   <p:tag name="KSO_WM_UNIT_TIMELINE_IDINGROUP" val="5"/>
   <p:tag name="KSO_WM_UNIT_TIMELINE_EMPHASIS_ID" val="5"/>
@@ -26295,7 +26187,7 @@
 </p:tagLst>
 </file>
 
-<file path=ppt/tags/tag157.xml><?xml version="1.0" encoding="utf-8"?>
+<file path=ppt/tags/tag156.xml><?xml version="1.0" encoding="utf-8"?>
 <p:tagLst xmlns:p="http://schemas.openxmlformats.org/presentationml/2006/main">
   <p:tag name="KSO_WM_UNIT_TIMELINE_IDINGROUP" val="6"/>
   <p:tag name="KSO_WM_UNIT_TIMELINE_EMPHASIS_ID" val="6"/>
@@ -26319,7 +26211,7 @@
 </p:tagLst>
 </file>
 
-<file path=ppt/tags/tag158.xml><?xml version="1.0" encoding="utf-8"?>
+<file path=ppt/tags/tag157.xml><?xml version="1.0" encoding="utf-8"?>
 <p:tagLst xmlns:p="http://schemas.openxmlformats.org/presentationml/2006/main">
   <p:tag name="KSO_WM_UNIT_TIMELINE_IDINGROUP" val="1"/>
   <p:tag name="KSO_WM_UNIT_TIMELINE_EMPHASIS_ID" val="1"/>
@@ -26342,7 +26234,7 @@
 </p:tagLst>
 </file>
 
-<file path=ppt/tags/tag159.xml><?xml version="1.0" encoding="utf-8"?>
+<file path=ppt/tags/tag158.xml><?xml version="1.0" encoding="utf-8"?>
 <p:tagLst xmlns:p="http://schemas.openxmlformats.org/presentationml/2006/main">
   <p:tag name="KSO_WM_UNIT_TIMELINE_IDINGROUP" val="2"/>
   <p:tag name="KSO_WM_UNIT_TIMELINE_EMPHASIS_ID" val="2"/>
@@ -26365,20 +26257,7 @@
 </p:tagLst>
 </file>
 
-<file path=ppt/tags/tag16.xml><?xml version="1.0" encoding="utf-8"?>
-<p:tagLst xmlns:p="http://schemas.openxmlformats.org/presentationml/2006/main">
-  <p:tag name="KSO_WM_UNIT_HIGHLIGHT" val="0"/>
-  <p:tag name="KSO_WM_UNIT_COMPATIBLE" val="0"/>
-  <p:tag name="KSO_WM_UNIT_DIAGRAM_ISNUMVISUAL" val="0"/>
-  <p:tag name="KSO_WM_UNIT_DIAGRAM_ISREFERUNIT" val="0"/>
-  <p:tag name="KSO_WM_UNIT_ID" val="_3**"/>
-  <p:tag name="KSO_WM_UNIT_LAYERLEVEL" val="1"/>
-  <p:tag name="KSO_WM_TAG_VERSION" val="1.0"/>
-  <p:tag name="KSO_WM_BEAUTIFY_FLAG" val="#wm#"/>
-</p:tagLst>
-</file>
-
-<file path=ppt/tags/tag160.xml><?xml version="1.0" encoding="utf-8"?>
+<file path=ppt/tags/tag159.xml><?xml version="1.0" encoding="utf-8"?>
 <p:tagLst xmlns:p="http://schemas.openxmlformats.org/presentationml/2006/main">
   <p:tag name="KSO_WM_UNIT_TIMELINE_IDINGROUP" val="3"/>
   <p:tag name="KSO_WM_UNIT_TIMELINE_EMPHASIS_ID" val="3"/>
@@ -26403,7 +26282,20 @@
 </p:tagLst>
 </file>
 
-<file path=ppt/tags/tag161.xml><?xml version="1.0" encoding="utf-8"?>
+<file path=ppt/tags/tag16.xml><?xml version="1.0" encoding="utf-8"?>
+<p:tagLst xmlns:p="http://schemas.openxmlformats.org/presentationml/2006/main">
+  <p:tag name="KSO_WM_UNIT_HIGHLIGHT" val="0"/>
+  <p:tag name="KSO_WM_UNIT_COMPATIBLE" val="0"/>
+  <p:tag name="KSO_WM_UNIT_DIAGRAM_ISNUMVISUAL" val="0"/>
+  <p:tag name="KSO_WM_UNIT_DIAGRAM_ISREFERUNIT" val="0"/>
+  <p:tag name="KSO_WM_UNIT_ID" val="_3**"/>
+  <p:tag name="KSO_WM_UNIT_LAYERLEVEL" val="1"/>
+  <p:tag name="KSO_WM_TAG_VERSION" val="1.0"/>
+  <p:tag name="KSO_WM_BEAUTIFY_FLAG" val="#wm#"/>
+</p:tagLst>
+</file>
+
+<file path=ppt/tags/tag160.xml><?xml version="1.0" encoding="utf-8"?>
 <p:tagLst xmlns:p="http://schemas.openxmlformats.org/presentationml/2006/main">
   <p:tag name="KSO_WM_UNIT_TIMELINE_IDINGROUP" val="4"/>
   <p:tag name="KSO_WM_UNIT_TIMELINE_EMPHASIS_ID" val="4"/>
@@ -26427,7 +26319,7 @@
 </p:tagLst>
 </file>
 
-<file path=ppt/tags/tag162.xml><?xml version="1.0" encoding="utf-8"?>
+<file path=ppt/tags/tag161.xml><?xml version="1.0" encoding="utf-8"?>
 <p:tagLst xmlns:p="http://schemas.openxmlformats.org/presentationml/2006/main">
   <p:tag name="KSO_WM_UNIT_TIMELINE_IDINGROUP" val="5"/>
   <p:tag name="KSO_WM_UNIT_TIMELINE_EMPHASIS_ID" val="5"/>
@@ -26450,7 +26342,7 @@
 </p:tagLst>
 </file>
 
-<file path=ppt/tags/tag163.xml><?xml version="1.0" encoding="utf-8"?>
+<file path=ppt/tags/tag162.xml><?xml version="1.0" encoding="utf-8"?>
 <p:tagLst xmlns:p="http://schemas.openxmlformats.org/presentationml/2006/main">
   <p:tag name="KSO_WM_UNIT_TIMELINE_IDINGROUP" val="6"/>
   <p:tag name="KSO_WM_UNIT_TIMELINE_EMPHASIS_ID" val="6"/>
@@ -26474,7 +26366,7 @@
 </p:tagLst>
 </file>
 
-<file path=ppt/tags/tag164.xml><?xml version="1.0" encoding="utf-8"?>
+<file path=ppt/tags/tag163.xml><?xml version="1.0" encoding="utf-8"?>
 <p:tagLst xmlns:p="http://schemas.openxmlformats.org/presentationml/2006/main">
   <p:tag name="KSO_WM_UNIT_TIMELINE_IDINGROUP" val="1"/>
   <p:tag name="KSO_WM_UNIT_TIMELINE_EMPHASIS_ID" val="1"/>
@@ -26497,7 +26389,7 @@
 </p:tagLst>
 </file>
 
-<file path=ppt/tags/tag165.xml><?xml version="1.0" encoding="utf-8"?>
+<file path=ppt/tags/tag164.xml><?xml version="1.0" encoding="utf-8"?>
 <p:tagLst xmlns:p="http://schemas.openxmlformats.org/presentationml/2006/main">
   <p:tag name="KSO_WM_UNIT_TIMELINE_IDINGROUP" val="2"/>
   <p:tag name="KSO_WM_UNIT_TIMELINE_EMPHASIS_ID" val="2"/>
@@ -26520,7 +26412,7 @@
 </p:tagLst>
 </file>
 
-<file path=ppt/tags/tag166.xml><?xml version="1.0" encoding="utf-8"?>
+<file path=ppt/tags/tag165.xml><?xml version="1.0" encoding="utf-8"?>
 <p:tagLst xmlns:p="http://schemas.openxmlformats.org/presentationml/2006/main">
   <p:tag name="KSO_WM_UNIT_TIMELINE_IDINGROUP" val="3"/>
   <p:tag name="KSO_WM_UNIT_TIMELINE_EMPHASIS_ID" val="3"/>
@@ -26545,7 +26437,7 @@
 </p:tagLst>
 </file>
 
-<file path=ppt/tags/tag167.xml><?xml version="1.0" encoding="utf-8"?>
+<file path=ppt/tags/tag166.xml><?xml version="1.0" encoding="utf-8"?>
 <p:tagLst xmlns:p="http://schemas.openxmlformats.org/presentationml/2006/main">
   <p:tag name="KSO_WM_UNIT_TIMELINE_IDINGROUP" val="4"/>
   <p:tag name="KSO_WM_UNIT_TIMELINE_EMPHASIS_ID" val="4"/>
@@ -26569,7 +26461,7 @@
 </p:tagLst>
 </file>
 
-<file path=ppt/tags/tag168.xml><?xml version="1.0" encoding="utf-8"?>
+<file path=ppt/tags/tag167.xml><?xml version="1.0" encoding="utf-8"?>
 <p:tagLst xmlns:p="http://schemas.openxmlformats.org/presentationml/2006/main">
   <p:tag name="KSO_WM_UNIT_TIMELINE_IDINGROUP" val="5"/>
   <p:tag name="KSO_WM_UNIT_TIMELINE_EMPHASIS_ID" val="5"/>
@@ -26592,7 +26484,7 @@
 </p:tagLst>
 </file>
 
-<file path=ppt/tags/tag169.xml><?xml version="1.0" encoding="utf-8"?>
+<file path=ppt/tags/tag168.xml><?xml version="1.0" encoding="utf-8"?>
 <p:tagLst xmlns:p="http://schemas.openxmlformats.org/presentationml/2006/main">
   <p:tag name="KSO_WM_UNIT_TIMELINE_IDINGROUP" val="6"/>
   <p:tag name="KSO_WM_UNIT_TIMELINE_EMPHASIS_ID" val="6"/>
@@ -26616,20 +26508,7 @@
 </p:tagLst>
 </file>
 
-<file path=ppt/tags/tag17.xml><?xml version="1.0" encoding="utf-8"?>
-<p:tagLst xmlns:p="http://schemas.openxmlformats.org/presentationml/2006/main">
-  <p:tag name="KSO_WM_UNIT_HIGHLIGHT" val="0"/>
-  <p:tag name="KSO_WM_UNIT_COMPATIBLE" val="0"/>
-  <p:tag name="KSO_WM_UNIT_DIAGRAM_ISNUMVISUAL" val="0"/>
-  <p:tag name="KSO_WM_UNIT_DIAGRAM_ISREFERUNIT" val="0"/>
-  <p:tag name="KSO_WM_UNIT_ID" val="_3**"/>
-  <p:tag name="KSO_WM_UNIT_LAYERLEVEL" val="1"/>
-  <p:tag name="KSO_WM_TAG_VERSION" val="1.0"/>
-  <p:tag name="KSO_WM_BEAUTIFY_FLAG" val="#wm#"/>
-</p:tagLst>
-</file>
-
-<file path=ppt/tags/tag170.xml><?xml version="1.0" encoding="utf-8"?>
+<file path=ppt/tags/tag169.xml><?xml version="1.0" encoding="utf-8"?>
 <p:tagLst xmlns:p="http://schemas.openxmlformats.org/presentationml/2006/main">
   <p:tag name="KSO_WM_UNIT_ISCONTENTSTITLE" val="0"/>
   <p:tag name="KSO_WM_UNIT_VALUE" val="9"/>
@@ -26651,7 +26530,20 @@
 </p:tagLst>
 </file>
 
-<file path=ppt/tags/tag171.xml><?xml version="1.0" encoding="utf-8"?>
+<file path=ppt/tags/tag17.xml><?xml version="1.0" encoding="utf-8"?>
+<p:tagLst xmlns:p="http://schemas.openxmlformats.org/presentationml/2006/main">
+  <p:tag name="KSO_WM_UNIT_HIGHLIGHT" val="0"/>
+  <p:tag name="KSO_WM_UNIT_COMPATIBLE" val="0"/>
+  <p:tag name="KSO_WM_UNIT_DIAGRAM_ISNUMVISUAL" val="0"/>
+  <p:tag name="KSO_WM_UNIT_DIAGRAM_ISREFERUNIT" val="0"/>
+  <p:tag name="KSO_WM_UNIT_ID" val="_3**"/>
+  <p:tag name="KSO_WM_UNIT_LAYERLEVEL" val="1"/>
+  <p:tag name="KSO_WM_TAG_VERSION" val="1.0"/>
+  <p:tag name="KSO_WM_BEAUTIFY_FLAG" val="#wm#"/>
+</p:tagLst>
+</file>
+
+<file path=ppt/tags/tag170.xml><?xml version="1.0" encoding="utf-8"?>
 <p:tagLst xmlns:p="http://schemas.openxmlformats.org/presentationml/2006/main">
   <p:tag name="KSO_WM_UNIT_TIMELINE_IDINGROUP" val="1"/>
   <p:tag name="KSO_WM_UNIT_TIMELINE_EMPHASIS_ID" val="1"/>
@@ -26674,7 +26566,7 @@
 </p:tagLst>
 </file>
 
-<file path=ppt/tags/tag172.xml><?xml version="1.0" encoding="utf-8"?>
+<file path=ppt/tags/tag171.xml><?xml version="1.0" encoding="utf-8"?>
 <p:tagLst xmlns:p="http://schemas.openxmlformats.org/presentationml/2006/main">
   <p:tag name="KSO_WM_UNIT_TIMELINE_IDINGROUP" val="2"/>
   <p:tag name="KSO_WM_UNIT_TIMELINE_EMPHASIS_ID" val="2"/>
@@ -26697,7 +26589,7 @@
 </p:tagLst>
 </file>
 
-<file path=ppt/tags/tag173.xml><?xml version="1.0" encoding="utf-8"?>
+<file path=ppt/tags/tag172.xml><?xml version="1.0" encoding="utf-8"?>
 <p:tagLst xmlns:p="http://schemas.openxmlformats.org/presentationml/2006/main">
   <p:tag name="KSO_WM_UNIT_TIMELINE_IDINGROUP" val="3"/>
   <p:tag name="KSO_WM_UNIT_TIMELINE_EMPHASIS_ID" val="3"/>
@@ -26722,7 +26614,7 @@
 </p:tagLst>
 </file>
 
-<file path=ppt/tags/tag174.xml><?xml version="1.0" encoding="utf-8"?>
+<file path=ppt/tags/tag173.xml><?xml version="1.0" encoding="utf-8"?>
 <p:tagLst xmlns:p="http://schemas.openxmlformats.org/presentationml/2006/main">
   <p:tag name="KSO_WM_UNIT_TIMELINE_IDINGROUP" val="4"/>
   <p:tag name="KSO_WM_UNIT_TIMELINE_EMPHASIS_ID" val="4"/>
@@ -26746,7 +26638,7 @@
 </p:tagLst>
 </file>
 
-<file path=ppt/tags/tag175.xml><?xml version="1.0" encoding="utf-8"?>
+<file path=ppt/tags/tag174.xml><?xml version="1.0" encoding="utf-8"?>
 <p:tagLst xmlns:p="http://schemas.openxmlformats.org/presentationml/2006/main">
   <p:tag name="KSO_WM_UNIT_TIMELINE_IDINGROUP" val="6"/>
   <p:tag name="KSO_WM_UNIT_TIMELINE_EMPHASIS_ID" val="6"/>
@@ -26770,7 +26662,7 @@
 </p:tagLst>
 </file>
 
-<file path=ppt/tags/tag176.xml><?xml version="1.0" encoding="utf-8"?>
+<file path=ppt/tags/tag175.xml><?xml version="1.0" encoding="utf-8"?>
 <p:tagLst xmlns:p="http://schemas.openxmlformats.org/presentationml/2006/main">
   <p:tag name="KSO_WM_UNIT_TIMELINE_IDINGROUP" val="5"/>
   <p:tag name="KSO_WM_UNIT_TIMELINE_EMPHASIS_ID" val="5"/>
@@ -26793,7 +26685,7 @@
 </p:tagLst>
 </file>
 
-<file path=ppt/tags/tag177.xml><?xml version="1.0" encoding="utf-8"?>
+<file path=ppt/tags/tag176.xml><?xml version="1.0" encoding="utf-8"?>
 <p:tagLst xmlns:p="http://schemas.openxmlformats.org/presentationml/2006/main">
   <p:tag name="KSO_WM_BEAUTIFY_FLAG" val="#wm#"/>
   <p:tag name="KSO_WM_TEMPLATE_CATEGORY" val="diagram"/>
@@ -26817,7 +26709,7 @@
 </p:tagLst>
 </file>
 
-<file path=ppt/tags/tag178.xml><?xml version="1.0" encoding="utf-8"?>
+<file path=ppt/tags/tag177.xml><?xml version="1.0" encoding="utf-8"?>
 <p:tagLst xmlns:p="http://schemas.openxmlformats.org/presentationml/2006/main">
   <p:tag name="KSO_WM_UNIT_NOCLEAR" val="0"/>
   <p:tag name="KSO_WM_UNIT_VALUE" val="100"/>
@@ -26837,7 +26729,7 @@
 </p:tagLst>
 </file>
 
-<file path=ppt/tags/tag179.xml><?xml version="1.0" encoding="utf-8"?>
+<file path=ppt/tags/tag178.xml><?xml version="1.0" encoding="utf-8"?>
 <p:tagLst xmlns:p="http://schemas.openxmlformats.org/presentationml/2006/main">
   <p:tag name="KSO_WM_UNIT_HIGHLIGHT" val="0"/>
   <p:tag name="KSO_WM_UNIT_COMPATIBLE" val="0"/>
@@ -26846,6 +26738,23 @@
   <p:tag name="KSO_WM_UNIT_TYPE" val="i"/>
   <p:tag name="KSO_WM_UNIT_INDEX" val="1"/>
   <p:tag name="KSO_WM_UNIT_ID" val="custom20196575_5*i*1"/>
+  <p:tag name="KSO_WM_TEMPLATE_CATEGORY" val="custom"/>
+  <p:tag name="KSO_WM_TEMPLATE_INDEX" val="20196575"/>
+  <p:tag name="KSO_WM_UNIT_LAYERLEVEL" val="1"/>
+  <p:tag name="KSO_WM_TAG_VERSION" val="1.0"/>
+  <p:tag name="KSO_WM_BEAUTIFY_FLAG" val="#wm#"/>
+</p:tagLst>
+</file>
+
+<file path=ppt/tags/tag179.xml><?xml version="1.0" encoding="utf-8"?>
+<p:tagLst xmlns:p="http://schemas.openxmlformats.org/presentationml/2006/main">
+  <p:tag name="KSO_WM_UNIT_HIGHLIGHT" val="0"/>
+  <p:tag name="KSO_WM_UNIT_COMPATIBLE" val="0"/>
+  <p:tag name="KSO_WM_UNIT_DIAGRAM_ISNUMVISUAL" val="0"/>
+  <p:tag name="KSO_WM_UNIT_DIAGRAM_ISREFERUNIT" val="0"/>
+  <p:tag name="KSO_WM_UNIT_TYPE" val="i"/>
+  <p:tag name="KSO_WM_UNIT_INDEX" val="2"/>
+  <p:tag name="KSO_WM_UNIT_ID" val="custom20196575_5*i*2"/>
   <p:tag name="KSO_WM_TEMPLATE_CATEGORY" val="custom"/>
   <p:tag name="KSO_WM_TEMPLATE_INDEX" val="20196575"/>
   <p:tag name="KSO_WM_UNIT_LAYERLEVEL" val="1"/>
@@ -26871,6 +26780,83 @@
 
 <file path=ppt/tags/tag180.xml><?xml version="1.0" encoding="utf-8"?>
 <p:tagLst xmlns:p="http://schemas.openxmlformats.org/presentationml/2006/main">
+  <p:tag name="KSO_WM_UNIT_ISCONTENTSTITLE" val="0"/>
+  <p:tag name="KSO_WM_UNIT_NOCLEAR" val="0"/>
+  <p:tag name="KSO_WM_UNIT_VALUE" val="17"/>
+  <p:tag name="KSO_WM_UNIT_HIGHLIGHT" val="0"/>
+  <p:tag name="KSO_WM_UNIT_COMPATIBLE" val="0"/>
+  <p:tag name="KSO_WM_UNIT_DIAGRAM_ISNUMVISUAL" val="0"/>
+  <p:tag name="KSO_WM_UNIT_DIAGRAM_ISREFERUNIT" val="0"/>
+  <p:tag name="KSO_WM_UNIT_TYPE" val="a"/>
+  <p:tag name="KSO_WM_UNIT_INDEX" val="1"/>
+  <p:tag name="KSO_WM_UNIT_ID" val="custom20196575_5*a*1"/>
+  <p:tag name="KSO_WM_TEMPLATE_CATEGORY" val="custom"/>
+  <p:tag name="KSO_WM_TEMPLATE_INDEX" val="20196575"/>
+  <p:tag name="KSO_WM_UNIT_LAYERLEVEL" val="1"/>
+  <p:tag name="KSO_WM_TAG_VERSION" val="1.0"/>
+  <p:tag name="KSO_WM_BEAUTIFY_FLAG" val="#wm#"/>
+  <p:tag name="KSO_WM_UNIT_PRESET_TEXT" val="单击此处添加标题"/>
+</p:tagLst>
+</file>
+
+<file path=ppt/tags/tag181.xml><?xml version="1.0" encoding="utf-8"?>
+<p:tagLst xmlns:p="http://schemas.openxmlformats.org/presentationml/2006/main">
+  <p:tag name="KSO_WM_SLIDE_ID" val="custom20196575_5"/>
+  <p:tag name="KSO_WM_TEMPLATE_SUBCATEGORY" val="0"/>
+  <p:tag name="KSO_WM_SLIDE_TYPE" val="text"/>
+  <p:tag name="KSO_WM_SLIDE_SUBTYPE" val="picTxt"/>
+  <p:tag name="KSO_WM_SLIDE_ITEM_CNT" val="0"/>
+  <p:tag name="KSO_WM_SLIDE_INDEX" val="5"/>
+  <p:tag name="KSO_WM_SLIDE_SIZE" val="337.125*221.125"/>
+  <p:tag name="KSO_WM_SLIDE_POSITION" val="547.375*219.875"/>
+  <p:tag name="KSO_WM_TAG_VERSION" val="1.0"/>
+  <p:tag name="KSO_WM_BEAUTIFY_FLAG" val="#wm#"/>
+  <p:tag name="KSO_WM_TEMPLATE_CATEGORY" val="custom"/>
+  <p:tag name="KSO_WM_TEMPLATE_INDEX" val="20196575"/>
+  <p:tag name="KSO_WM_SLIDE_LAYOUT" val="a_d_h"/>
+  <p:tag name="KSO_WM_SLIDE_LAYOUT_CNT" val="1_1_1"/>
+</p:tagLst>
+</file>
+
+<file path=ppt/tags/tag182.xml><?xml version="1.0" encoding="utf-8"?>
+<p:tagLst xmlns:p="http://schemas.openxmlformats.org/presentationml/2006/main">
+  <p:tag name="KSO_WM_UNIT_NOCLEAR" val="0"/>
+  <p:tag name="KSO_WM_UNIT_VALUE" val="100"/>
+  <p:tag name="KSO_WM_UNIT_HIGHLIGHT" val="0"/>
+  <p:tag name="KSO_WM_UNIT_COMPATIBLE" val="0"/>
+  <p:tag name="KSO_WM_UNIT_DIAGRAM_ISNUMVISUAL" val="0"/>
+  <p:tag name="KSO_WM_UNIT_DIAGRAM_ISREFERUNIT" val="0"/>
+  <p:tag name="KSO_WM_UNIT_TYPE" val="h_f"/>
+  <p:tag name="KSO_WM_UNIT_INDEX" val="1_1"/>
+  <p:tag name="KSO_WM_UNIT_ID" val="custom20196575_5*h_f*1_1"/>
+  <p:tag name="KSO_WM_TEMPLATE_CATEGORY" val="custom"/>
+  <p:tag name="KSO_WM_TEMPLATE_INDEX" val="20196575"/>
+  <p:tag name="KSO_WM_UNIT_LAYERLEVEL" val="1_1"/>
+  <p:tag name="KSO_WM_TAG_VERSION" val="1.0"/>
+  <p:tag name="KSO_WM_BEAUTIFY_FLAG" val="#wm#"/>
+  <p:tag name="KSO_WM_UNIT_PRESET_TEXT" val="单击此处添加文本具体内容，简明扼要的阐述您的观点。根据需要可酌情增减文字，以便观者准确的理解您传达的思想。单击此处添加文本具体内容，简明扼要的阐述您的观点。根据需要可酌情增减文字，以便观者准确的理解您传达的思想。"/>
+</p:tagLst>
+</file>
+
+<file path=ppt/tags/tag183.xml><?xml version="1.0" encoding="utf-8"?>
+<p:tagLst xmlns:p="http://schemas.openxmlformats.org/presentationml/2006/main">
+  <p:tag name="KSO_WM_UNIT_HIGHLIGHT" val="0"/>
+  <p:tag name="KSO_WM_UNIT_COMPATIBLE" val="0"/>
+  <p:tag name="KSO_WM_UNIT_DIAGRAM_ISNUMVISUAL" val="0"/>
+  <p:tag name="KSO_WM_UNIT_DIAGRAM_ISREFERUNIT" val="0"/>
+  <p:tag name="KSO_WM_UNIT_TYPE" val="i"/>
+  <p:tag name="KSO_WM_UNIT_INDEX" val="1"/>
+  <p:tag name="KSO_WM_UNIT_ID" val="custom20196575_5*i*1"/>
+  <p:tag name="KSO_WM_TEMPLATE_CATEGORY" val="custom"/>
+  <p:tag name="KSO_WM_TEMPLATE_INDEX" val="20196575"/>
+  <p:tag name="KSO_WM_UNIT_LAYERLEVEL" val="1"/>
+  <p:tag name="KSO_WM_TAG_VERSION" val="1.0"/>
+  <p:tag name="KSO_WM_BEAUTIFY_FLAG" val="#wm#"/>
+</p:tagLst>
+</file>
+
+<file path=ppt/tags/tag184.xml><?xml version="1.0" encoding="utf-8"?>
+<p:tagLst xmlns:p="http://schemas.openxmlformats.org/presentationml/2006/main">
   <p:tag name="KSO_WM_UNIT_HIGHLIGHT" val="0"/>
   <p:tag name="KSO_WM_UNIT_COMPATIBLE" val="0"/>
   <p:tag name="KSO_WM_UNIT_DIAGRAM_ISNUMVISUAL" val="0"/>
@@ -26886,7 +26872,7 @@
 </p:tagLst>
 </file>
 
-<file path=ppt/tags/tag181.xml><?xml version="1.0" encoding="utf-8"?>
+<file path=ppt/tags/tag185.xml><?xml version="1.0" encoding="utf-8"?>
 <p:tagLst xmlns:p="http://schemas.openxmlformats.org/presentationml/2006/main">
   <p:tag name="KSO_WM_UNIT_ISCONTENTSTITLE" val="0"/>
   <p:tag name="KSO_WM_UNIT_NOCLEAR" val="0"/>
@@ -26907,7 +26893,7 @@
 </p:tagLst>
 </file>
 
-<file path=ppt/tags/tag182.xml><?xml version="1.0" encoding="utf-8"?>
+<file path=ppt/tags/tag186.xml><?xml version="1.0" encoding="utf-8"?>
 <p:tagLst xmlns:p="http://schemas.openxmlformats.org/presentationml/2006/main">
   <p:tag name="KSO_WM_SLIDE_ID" val="custom20196575_5"/>
   <p:tag name="KSO_WM_TEMPLATE_SUBCATEGORY" val="0"/>
@@ -26926,7 +26912,7 @@
 </p:tagLst>
 </file>
 
-<file path=ppt/tags/tag183.xml><?xml version="1.0" encoding="utf-8"?>
+<file path=ppt/tags/tag187.xml><?xml version="1.0" encoding="utf-8"?>
 <p:tagLst xmlns:p="http://schemas.openxmlformats.org/presentationml/2006/main">
   <p:tag name="KSO_WM_UNIT_NOCLEAR" val="0"/>
   <p:tag name="KSO_WM_UNIT_VALUE" val="100"/>
@@ -26946,7 +26932,7 @@
 </p:tagLst>
 </file>
 
-<file path=ppt/tags/tag184.xml><?xml version="1.0" encoding="utf-8"?>
+<file path=ppt/tags/tag188.xml><?xml version="1.0" encoding="utf-8"?>
 <p:tagLst xmlns:p="http://schemas.openxmlformats.org/presentationml/2006/main">
   <p:tag name="KSO_WM_UNIT_HIGHLIGHT" val="0"/>
   <p:tag name="KSO_WM_UNIT_COMPATIBLE" val="0"/>
@@ -26963,7 +26949,7 @@
 </p:tagLst>
 </file>
 
-<file path=ppt/tags/tag185.xml><?xml version="1.0" encoding="utf-8"?>
+<file path=ppt/tags/tag189.xml><?xml version="1.0" encoding="utf-8"?>
 <p:tagLst xmlns:p="http://schemas.openxmlformats.org/presentationml/2006/main">
   <p:tag name="KSO_WM_UNIT_HIGHLIGHT" val="0"/>
   <p:tag name="KSO_WM_UNIT_COMPATIBLE" val="0"/>
@@ -26972,83 +26958,6 @@
   <p:tag name="KSO_WM_UNIT_TYPE" val="i"/>
   <p:tag name="KSO_WM_UNIT_INDEX" val="2"/>
   <p:tag name="KSO_WM_UNIT_ID" val="custom20196575_5*i*2"/>
-  <p:tag name="KSO_WM_TEMPLATE_CATEGORY" val="custom"/>
-  <p:tag name="KSO_WM_TEMPLATE_INDEX" val="20196575"/>
-  <p:tag name="KSO_WM_UNIT_LAYERLEVEL" val="1"/>
-  <p:tag name="KSO_WM_TAG_VERSION" val="1.0"/>
-  <p:tag name="KSO_WM_BEAUTIFY_FLAG" val="#wm#"/>
-</p:tagLst>
-</file>
-
-<file path=ppt/tags/tag186.xml><?xml version="1.0" encoding="utf-8"?>
-<p:tagLst xmlns:p="http://schemas.openxmlformats.org/presentationml/2006/main">
-  <p:tag name="KSO_WM_UNIT_ISCONTENTSTITLE" val="0"/>
-  <p:tag name="KSO_WM_UNIT_NOCLEAR" val="0"/>
-  <p:tag name="KSO_WM_UNIT_VALUE" val="17"/>
-  <p:tag name="KSO_WM_UNIT_HIGHLIGHT" val="0"/>
-  <p:tag name="KSO_WM_UNIT_COMPATIBLE" val="0"/>
-  <p:tag name="KSO_WM_UNIT_DIAGRAM_ISNUMVISUAL" val="0"/>
-  <p:tag name="KSO_WM_UNIT_DIAGRAM_ISREFERUNIT" val="0"/>
-  <p:tag name="KSO_WM_UNIT_TYPE" val="a"/>
-  <p:tag name="KSO_WM_UNIT_INDEX" val="1"/>
-  <p:tag name="KSO_WM_UNIT_ID" val="custom20196575_5*a*1"/>
-  <p:tag name="KSO_WM_TEMPLATE_CATEGORY" val="custom"/>
-  <p:tag name="KSO_WM_TEMPLATE_INDEX" val="20196575"/>
-  <p:tag name="KSO_WM_UNIT_LAYERLEVEL" val="1"/>
-  <p:tag name="KSO_WM_TAG_VERSION" val="1.0"/>
-  <p:tag name="KSO_WM_BEAUTIFY_FLAG" val="#wm#"/>
-  <p:tag name="KSO_WM_UNIT_PRESET_TEXT" val="单击此处添加标题"/>
-</p:tagLst>
-</file>
-
-<file path=ppt/tags/tag187.xml><?xml version="1.0" encoding="utf-8"?>
-<p:tagLst xmlns:p="http://schemas.openxmlformats.org/presentationml/2006/main">
-  <p:tag name="KSO_WM_SLIDE_ID" val="custom20196575_5"/>
-  <p:tag name="KSO_WM_TEMPLATE_SUBCATEGORY" val="0"/>
-  <p:tag name="KSO_WM_SLIDE_TYPE" val="text"/>
-  <p:tag name="KSO_WM_SLIDE_SUBTYPE" val="picTxt"/>
-  <p:tag name="KSO_WM_SLIDE_ITEM_CNT" val="0"/>
-  <p:tag name="KSO_WM_SLIDE_INDEX" val="5"/>
-  <p:tag name="KSO_WM_SLIDE_SIZE" val="337.125*221.125"/>
-  <p:tag name="KSO_WM_SLIDE_POSITION" val="547.375*219.875"/>
-  <p:tag name="KSO_WM_TAG_VERSION" val="1.0"/>
-  <p:tag name="KSO_WM_BEAUTIFY_FLAG" val="#wm#"/>
-  <p:tag name="KSO_WM_TEMPLATE_CATEGORY" val="custom"/>
-  <p:tag name="KSO_WM_TEMPLATE_INDEX" val="20196575"/>
-  <p:tag name="KSO_WM_SLIDE_LAYOUT" val="a_d_h"/>
-  <p:tag name="KSO_WM_SLIDE_LAYOUT_CNT" val="1_1_1"/>
-</p:tagLst>
-</file>
-
-<file path=ppt/tags/tag188.xml><?xml version="1.0" encoding="utf-8"?>
-<p:tagLst xmlns:p="http://schemas.openxmlformats.org/presentationml/2006/main">
-  <p:tag name="KSO_WM_UNIT_NOCLEAR" val="0"/>
-  <p:tag name="KSO_WM_UNIT_VALUE" val="100"/>
-  <p:tag name="KSO_WM_UNIT_HIGHLIGHT" val="0"/>
-  <p:tag name="KSO_WM_UNIT_COMPATIBLE" val="0"/>
-  <p:tag name="KSO_WM_UNIT_DIAGRAM_ISNUMVISUAL" val="0"/>
-  <p:tag name="KSO_WM_UNIT_DIAGRAM_ISREFERUNIT" val="0"/>
-  <p:tag name="KSO_WM_UNIT_TYPE" val="h_f"/>
-  <p:tag name="KSO_WM_UNIT_INDEX" val="1_1"/>
-  <p:tag name="KSO_WM_UNIT_ID" val="custom20196575_5*h_f*1_1"/>
-  <p:tag name="KSO_WM_TEMPLATE_CATEGORY" val="custom"/>
-  <p:tag name="KSO_WM_TEMPLATE_INDEX" val="20196575"/>
-  <p:tag name="KSO_WM_UNIT_LAYERLEVEL" val="1_1"/>
-  <p:tag name="KSO_WM_TAG_VERSION" val="1.0"/>
-  <p:tag name="KSO_WM_BEAUTIFY_FLAG" val="#wm#"/>
-  <p:tag name="KSO_WM_UNIT_PRESET_TEXT" val="单击此处添加文本具体内容，简明扼要的阐述您的观点。根据需要可酌情增减文字，以便观者准确的理解您传达的思想。单击此处添加文本具体内容，简明扼要的阐述您的观点。根据需要可酌情增减文字，以便观者准确的理解您传达的思想。"/>
-</p:tagLst>
-</file>
-
-<file path=ppt/tags/tag189.xml><?xml version="1.0" encoding="utf-8"?>
-<p:tagLst xmlns:p="http://schemas.openxmlformats.org/presentationml/2006/main">
-  <p:tag name="KSO_WM_UNIT_HIGHLIGHT" val="0"/>
-  <p:tag name="KSO_WM_UNIT_COMPATIBLE" val="0"/>
-  <p:tag name="KSO_WM_UNIT_DIAGRAM_ISNUMVISUAL" val="0"/>
-  <p:tag name="KSO_WM_UNIT_DIAGRAM_ISREFERUNIT" val="0"/>
-  <p:tag name="KSO_WM_UNIT_TYPE" val="i"/>
-  <p:tag name="KSO_WM_UNIT_INDEX" val="1"/>
-  <p:tag name="KSO_WM_UNIT_ID" val="custom20196575_5*i*1"/>
   <p:tag name="KSO_WM_TEMPLATE_CATEGORY" val="custom"/>
   <p:tag name="KSO_WM_TEMPLATE_INDEX" val="20196575"/>
   <p:tag name="KSO_WM_UNIT_LAYERLEVEL" val="1"/>
@@ -27072,23 +26981,6 @@
 
 <file path=ppt/tags/tag190.xml><?xml version="1.0" encoding="utf-8"?>
 <p:tagLst xmlns:p="http://schemas.openxmlformats.org/presentationml/2006/main">
-  <p:tag name="KSO_WM_UNIT_HIGHLIGHT" val="0"/>
-  <p:tag name="KSO_WM_UNIT_COMPATIBLE" val="0"/>
-  <p:tag name="KSO_WM_UNIT_DIAGRAM_ISNUMVISUAL" val="0"/>
-  <p:tag name="KSO_WM_UNIT_DIAGRAM_ISREFERUNIT" val="0"/>
-  <p:tag name="KSO_WM_UNIT_TYPE" val="i"/>
-  <p:tag name="KSO_WM_UNIT_INDEX" val="2"/>
-  <p:tag name="KSO_WM_UNIT_ID" val="custom20196575_5*i*2"/>
-  <p:tag name="KSO_WM_TEMPLATE_CATEGORY" val="custom"/>
-  <p:tag name="KSO_WM_TEMPLATE_INDEX" val="20196575"/>
-  <p:tag name="KSO_WM_UNIT_LAYERLEVEL" val="1"/>
-  <p:tag name="KSO_WM_TAG_VERSION" val="1.0"/>
-  <p:tag name="KSO_WM_BEAUTIFY_FLAG" val="#wm#"/>
-</p:tagLst>
-</file>
-
-<file path=ppt/tags/tag191.xml><?xml version="1.0" encoding="utf-8"?>
-<p:tagLst xmlns:p="http://schemas.openxmlformats.org/presentationml/2006/main">
   <p:tag name="KSO_WM_UNIT_ISCONTENTSTITLE" val="0"/>
   <p:tag name="KSO_WM_UNIT_NOCLEAR" val="0"/>
   <p:tag name="KSO_WM_UNIT_VALUE" val="17"/>
@@ -27108,7 +27000,7 @@
 </p:tagLst>
 </file>
 
-<file path=ppt/tags/tag192.xml><?xml version="1.0" encoding="utf-8"?>
+<file path=ppt/tags/tag191.xml><?xml version="1.0" encoding="utf-8"?>
 <p:tagLst xmlns:p="http://schemas.openxmlformats.org/presentationml/2006/main">
   <p:tag name="KSO_WM_SLIDE_ID" val="custom20196575_5"/>
   <p:tag name="KSO_WM_TEMPLATE_SUBCATEGORY" val="0"/>
@@ -27127,7 +27019,7 @@
 </p:tagLst>
 </file>
 
-<file path=ppt/tags/tag193.xml><?xml version="1.0" encoding="utf-8"?>
+<file path=ppt/tags/tag192.xml><?xml version="1.0" encoding="utf-8"?>
 <p:tagLst xmlns:p="http://schemas.openxmlformats.org/presentationml/2006/main">
   <p:tag name="KSO_WM_BEAUTIFY_FLAG" val="#wm#"/>
   <p:tag name="KSO_WM_TEMPLATE_CATEGORY" val="custom"/>
@@ -27135,7 +27027,7 @@
 </p:tagLst>
 </file>
 
-<file path=ppt/tags/tag194.xml><?xml version="1.0" encoding="utf-8"?>
+<file path=ppt/tags/tag193.xml><?xml version="1.0" encoding="utf-8"?>
 <p:tagLst xmlns:p="http://schemas.openxmlformats.org/presentationml/2006/main">
   <p:tag name="KSO_WM_UNIT_ISCONTENTSTITLE" val="0"/>
   <p:tag name="KSO_WM_UNIT_NOCLEAR" val="0"/>
@@ -27156,7 +27048,7 @@
 </p:tagLst>
 </file>
 
-<file path=ppt/tags/tag195.xml><?xml version="1.0" encoding="utf-8"?>
+<file path=ppt/tags/tag194.xml><?xml version="1.0" encoding="utf-8"?>
 <p:tagLst xmlns:p="http://schemas.openxmlformats.org/presentationml/2006/main">
   <p:tag name="KSO_WM_UNIT_ISCONTENTSTITLE" val="0"/>
   <p:tag name="KSO_WM_UNIT_NOCLEAR" val="0"/>
@@ -27177,7 +27069,7 @@
 </p:tagLst>
 </file>
 
-<file path=ppt/tags/tag196.xml><?xml version="1.0" encoding="utf-8"?>
+<file path=ppt/tags/tag195.xml><?xml version="1.0" encoding="utf-8"?>
 <p:tagLst xmlns:p="http://schemas.openxmlformats.org/presentationml/2006/main">
   <p:tag name="KSO_WM_COMBINE_RELATE_SLIDE_ID" val="background20180947_12"/>
   <p:tag name="KSO_WM_SLIDE_ID" val="custom20196575_12"/>
@@ -28043,27 +27935,6 @@
 
 <file path=ppt/tags/tag77.xml><?xml version="1.0" encoding="utf-8"?>
 <p:tagLst xmlns:p="http://schemas.openxmlformats.org/presentationml/2006/main">
-  <p:tag name="KSO_WM_UNIT_ISCONTENTSTITLE" val="0"/>
-  <p:tag name="KSO_WM_UNIT_NOCLEAR" val="0"/>
-  <p:tag name="KSO_WM_UNIT_VALUE" val="27"/>
-  <p:tag name="KSO_WM_UNIT_HIGHLIGHT" val="0"/>
-  <p:tag name="KSO_WM_UNIT_COMPATIBLE" val="0"/>
-  <p:tag name="KSO_WM_UNIT_DIAGRAM_ISNUMVISUAL" val="0"/>
-  <p:tag name="KSO_WM_UNIT_DIAGRAM_ISREFERUNIT" val="0"/>
-  <p:tag name="KSO_WM_UNIT_TYPE" val="b"/>
-  <p:tag name="KSO_WM_UNIT_INDEX" val="1"/>
-  <p:tag name="KSO_WM_UNIT_ID" val="custom20196575_1*b*1"/>
-  <p:tag name="KSO_WM_TEMPLATE_CATEGORY" val="custom"/>
-  <p:tag name="KSO_WM_TEMPLATE_INDEX" val="20196575"/>
-  <p:tag name="KSO_WM_UNIT_LAYERLEVEL" val="1"/>
-  <p:tag name="KSO_WM_TAG_VERSION" val="1.0"/>
-  <p:tag name="KSO_WM_BEAUTIFY_FLAG" val="#wm#"/>
-  <p:tag name="KSO_WM_UNIT_PRESET_TEXT" val="单击此处添加副标题"/>
-</p:tagLst>
-</file>
-
-<file path=ppt/tags/tag78.xml><?xml version="1.0" encoding="utf-8"?>
-<p:tagLst xmlns:p="http://schemas.openxmlformats.org/presentationml/2006/main">
   <p:tag name="KSO_WM_COMBINE_RELATE_SLIDE_ID" val="background20180947_1"/>
   <p:tag name="KSO_WM_TEMPLATE_SUBCATEGORY" val="0"/>
   <p:tag name="KSO_WM_TEMPLATE_THUMBS_INDEX" val="1、7、11、12"/>
@@ -28082,7 +27953,7 @@
 </p:tagLst>
 </file>
 
-<file path=ppt/tags/tag79.xml><?xml version="1.0" encoding="utf-8"?>
+<file path=ppt/tags/tag78.xml><?xml version="1.0" encoding="utf-8"?>
 <p:tagLst xmlns:p="http://schemas.openxmlformats.org/presentationml/2006/main">
   <p:tag name="KSO_WM_UNIT_FILL_FORE_SCHEMECOLOR_INDEX" val="5"/>
   <p:tag name="KSO_WM_UNIT_FILL_TYPE" val="1"/>
@@ -28105,20 +27976,7 @@
 </p:tagLst>
 </file>
 
-<file path=ppt/tags/tag8.xml><?xml version="1.0" encoding="utf-8"?>
-<p:tagLst xmlns:p="http://schemas.openxmlformats.org/presentationml/2006/main">
-  <p:tag name="KSO_WM_UNIT_HIGHLIGHT" val="0"/>
-  <p:tag name="KSO_WM_UNIT_COMPATIBLE" val="0"/>
-  <p:tag name="KSO_WM_UNIT_DIAGRAM_ISNUMVISUAL" val="0"/>
-  <p:tag name="KSO_WM_UNIT_DIAGRAM_ISREFERUNIT" val="0"/>
-  <p:tag name="KSO_WM_UNIT_ID" val="_1**"/>
-  <p:tag name="KSO_WM_UNIT_LAYERLEVEL" val="1"/>
-  <p:tag name="KSO_WM_TAG_VERSION" val="1.0"/>
-  <p:tag name="KSO_WM_BEAUTIFY_FLAG" val="#wm#"/>
-</p:tagLst>
-</file>
-
-<file path=ppt/tags/tag80.xml><?xml version="1.0" encoding="utf-8"?>
+<file path=ppt/tags/tag79.xml><?xml version="1.0" encoding="utf-8"?>
 <p:tagLst xmlns:p="http://schemas.openxmlformats.org/presentationml/2006/main">
   <p:tag name="KSO_WM_UNIT_TEXT_FILL_FORE_SCHEMECOLOR_INDEX" val="14"/>
   <p:tag name="KSO_WM_UNIT_TEXT_FILL_TYPE" val="1"/>
@@ -28143,7 +28001,20 @@
 </p:tagLst>
 </file>
 
-<file path=ppt/tags/tag81.xml><?xml version="1.0" encoding="utf-8"?>
+<file path=ppt/tags/tag8.xml><?xml version="1.0" encoding="utf-8"?>
+<p:tagLst xmlns:p="http://schemas.openxmlformats.org/presentationml/2006/main">
+  <p:tag name="KSO_WM_UNIT_HIGHLIGHT" val="0"/>
+  <p:tag name="KSO_WM_UNIT_COMPATIBLE" val="0"/>
+  <p:tag name="KSO_WM_UNIT_DIAGRAM_ISNUMVISUAL" val="0"/>
+  <p:tag name="KSO_WM_UNIT_DIAGRAM_ISREFERUNIT" val="0"/>
+  <p:tag name="KSO_WM_UNIT_ID" val="_1**"/>
+  <p:tag name="KSO_WM_UNIT_LAYERLEVEL" val="1"/>
+  <p:tag name="KSO_WM_TAG_VERSION" val="1.0"/>
+  <p:tag name="KSO_WM_BEAUTIFY_FLAG" val="#wm#"/>
+</p:tagLst>
+</file>
+
+<file path=ppt/tags/tag80.xml><?xml version="1.0" encoding="utf-8"?>
 <p:tagLst xmlns:p="http://schemas.openxmlformats.org/presentationml/2006/main">
   <p:tag name="KSO_WM_UNIT_TEXT_FILL_FORE_SCHEMECOLOR_INDEX" val="13"/>
   <p:tag name="KSO_WM_UNIT_TEXT_FILL_TYPE" val="1"/>
@@ -28168,7 +28039,7 @@
 </p:tagLst>
 </file>
 
-<file path=ppt/tags/tag82.xml><?xml version="1.0" encoding="utf-8"?>
+<file path=ppt/tags/tag81.xml><?xml version="1.0" encoding="utf-8"?>
 <p:tagLst xmlns:p="http://schemas.openxmlformats.org/presentationml/2006/main">
   <p:tag name="KSO_WM_UNIT_FILL_FORE_SCHEMECOLOR_INDEX" val="9"/>
   <p:tag name="KSO_WM_UNIT_FILL_TYPE" val="1"/>
@@ -28191,7 +28062,7 @@
 </p:tagLst>
 </file>
 
-<file path=ppt/tags/tag83.xml><?xml version="1.0" encoding="utf-8"?>
+<file path=ppt/tags/tag82.xml><?xml version="1.0" encoding="utf-8"?>
 <p:tagLst xmlns:p="http://schemas.openxmlformats.org/presentationml/2006/main">
   <p:tag name="KSO_WM_UNIT_TEXT_FILL_FORE_SCHEMECOLOR_INDEX" val="13"/>
   <p:tag name="KSO_WM_UNIT_TEXT_FILL_TYPE" val="1"/>
@@ -28216,7 +28087,7 @@
 </p:tagLst>
 </file>
 
-<file path=ppt/tags/tag84.xml><?xml version="1.0" encoding="utf-8"?>
+<file path=ppt/tags/tag83.xml><?xml version="1.0" encoding="utf-8"?>
 <p:tagLst xmlns:p="http://schemas.openxmlformats.org/presentationml/2006/main">
   <p:tag name="KSO_WM_UNIT_FILL_FORE_SCHEMECOLOR_INDEX" val="9"/>
   <p:tag name="KSO_WM_UNIT_FILL_TYPE" val="1"/>
@@ -28239,7 +28110,7 @@
 </p:tagLst>
 </file>
 
-<file path=ppt/tags/tag85.xml><?xml version="1.0" encoding="utf-8"?>
+<file path=ppt/tags/tag84.xml><?xml version="1.0" encoding="utf-8"?>
 <p:tagLst xmlns:p="http://schemas.openxmlformats.org/presentationml/2006/main">
   <p:tag name="KSO_WM_UNIT_TEXT_FILL_FORE_SCHEMECOLOR_INDEX" val="13"/>
   <p:tag name="KSO_WM_UNIT_TEXT_FILL_TYPE" val="1"/>
@@ -28264,7 +28135,7 @@
 </p:tagLst>
 </file>
 
-<file path=ppt/tags/tag86.xml><?xml version="1.0" encoding="utf-8"?>
+<file path=ppt/tags/tag85.xml><?xml version="1.0" encoding="utf-8"?>
 <p:tagLst xmlns:p="http://schemas.openxmlformats.org/presentationml/2006/main">
   <p:tag name="KSO_WM_UNIT_FILL_FORE_SCHEMECOLOR_INDEX" val="9"/>
   <p:tag name="KSO_WM_UNIT_FILL_TYPE" val="1"/>
@@ -28287,7 +28158,7 @@
 </p:tagLst>
 </file>
 
-<file path=ppt/tags/tag87.xml><?xml version="1.0" encoding="utf-8"?>
+<file path=ppt/tags/tag86.xml><?xml version="1.0" encoding="utf-8"?>
 <p:tagLst xmlns:p="http://schemas.openxmlformats.org/presentationml/2006/main">
   <p:tag name="KSO_WM_COMBINE_RELATE_SLIDE_ID" val="custom20180541_5"/>
   <p:tag name="KSO_WM_SLIDE_ID" val="custom20196575_2"/>
@@ -28307,7 +28178,7 @@
 </p:tagLst>
 </file>
 
-<file path=ppt/tags/tag88.xml><?xml version="1.0" encoding="utf-8"?>
+<file path=ppt/tags/tag87.xml><?xml version="1.0" encoding="utf-8"?>
 <p:tagLst xmlns:p="http://schemas.openxmlformats.org/presentationml/2006/main">
   <p:tag name="KSO_WM_UNIT_ISCONTENTSTITLE" val="0"/>
   <p:tag name="KSO_WM_UNIT_NOCLEAR" val="0"/>
@@ -28328,7 +28199,7 @@
 </p:tagLst>
 </file>
 
-<file path=ppt/tags/tag89.xml><?xml version="1.0" encoding="utf-8"?>
+<file path=ppt/tags/tag88.xml><?xml version="1.0" encoding="utf-8"?>
 <p:tagLst xmlns:p="http://schemas.openxmlformats.org/presentationml/2006/main">
   <p:tag name="KSO_WM_UNIT_NOCLEAR" val="0"/>
   <p:tag name="KSO_WM_UNIT_VALUE" val="2"/>
@@ -28348,20 +28219,7 @@
 </p:tagLst>
 </file>
 
-<file path=ppt/tags/tag9.xml><?xml version="1.0" encoding="utf-8"?>
-<p:tagLst xmlns:p="http://schemas.openxmlformats.org/presentationml/2006/main">
-  <p:tag name="KSO_WM_UNIT_HIGHLIGHT" val="0"/>
-  <p:tag name="KSO_WM_UNIT_COMPATIBLE" val="0"/>
-  <p:tag name="KSO_WM_UNIT_DIAGRAM_ISNUMVISUAL" val="0"/>
-  <p:tag name="KSO_WM_UNIT_DIAGRAM_ISREFERUNIT" val="0"/>
-  <p:tag name="KSO_WM_UNIT_ID" val="_1**"/>
-  <p:tag name="KSO_WM_UNIT_LAYERLEVEL" val="1"/>
-  <p:tag name="KSO_WM_TAG_VERSION" val="1.0"/>
-  <p:tag name="KSO_WM_BEAUTIFY_FLAG" val="#wm#"/>
-</p:tagLst>
-</file>
-
-<file path=ppt/tags/tag90.xml><?xml version="1.0" encoding="utf-8"?>
+<file path=ppt/tags/tag89.xml><?xml version="1.0" encoding="utf-8"?>
 <p:tagLst xmlns:p="http://schemas.openxmlformats.org/presentationml/2006/main">
   <p:tag name="KSO_WM_SLIDE_ID" val="custom20196575_3"/>
   <p:tag name="KSO_WM_TEMPLATE_SUBCATEGORY" val="0"/>
@@ -28378,7 +28236,20 @@
 </p:tagLst>
 </file>
 
-<file path=ppt/tags/tag91.xml><?xml version="1.0" encoding="utf-8"?>
+<file path=ppt/tags/tag9.xml><?xml version="1.0" encoding="utf-8"?>
+<p:tagLst xmlns:p="http://schemas.openxmlformats.org/presentationml/2006/main">
+  <p:tag name="KSO_WM_UNIT_HIGHLIGHT" val="0"/>
+  <p:tag name="KSO_WM_UNIT_COMPATIBLE" val="0"/>
+  <p:tag name="KSO_WM_UNIT_DIAGRAM_ISNUMVISUAL" val="0"/>
+  <p:tag name="KSO_WM_UNIT_DIAGRAM_ISREFERUNIT" val="0"/>
+  <p:tag name="KSO_WM_UNIT_ID" val="_1**"/>
+  <p:tag name="KSO_WM_UNIT_LAYERLEVEL" val="1"/>
+  <p:tag name="KSO_WM_TAG_VERSION" val="1.0"/>
+  <p:tag name="KSO_WM_BEAUTIFY_FLAG" val="#wm#"/>
+</p:tagLst>
+</file>
+
+<file path=ppt/tags/tag90.xml><?xml version="1.0" encoding="utf-8"?>
 <p:tagLst xmlns:p="http://schemas.openxmlformats.org/presentationml/2006/main">
   <p:tag name="KSO_WM_UNIT_NOCLEAR" val="0"/>
   <p:tag name="KSO_WM_UNIT_VALUE" val="172"/>
@@ -28398,7 +28269,7 @@
 </p:tagLst>
 </file>
 
-<file path=ppt/tags/tag92.xml><?xml version="1.0" encoding="utf-8"?>
+<file path=ppt/tags/tag91.xml><?xml version="1.0" encoding="utf-8"?>
 <p:tagLst xmlns:p="http://schemas.openxmlformats.org/presentationml/2006/main">
   <p:tag name="KSO_WM_UNIT_NOCLEAR" val="0"/>
   <p:tag name="KSO_WM_UNIT_VALUE" val="86"/>
@@ -28418,7 +28289,7 @@
 </p:tagLst>
 </file>
 
-<file path=ppt/tags/tag93.xml><?xml version="1.0" encoding="utf-8"?>
+<file path=ppt/tags/tag92.xml><?xml version="1.0" encoding="utf-8"?>
 <p:tagLst xmlns:p="http://schemas.openxmlformats.org/presentationml/2006/main">
   <p:tag name="KSO_WM_UNIT_ISCONTENTSTITLE" val="0"/>
   <p:tag name="KSO_WM_UNIT_NOCLEAR" val="0"/>
@@ -28439,7 +28310,7 @@
 </p:tagLst>
 </file>
 
-<file path=ppt/tags/tag94.xml><?xml version="1.0" encoding="utf-8"?>
+<file path=ppt/tags/tag93.xml><?xml version="1.0" encoding="utf-8"?>
 <p:tagLst xmlns:p="http://schemas.openxmlformats.org/presentationml/2006/main">
   <p:tag name="KSO_WM_UNIT_HIGHLIGHT" val="0"/>
   <p:tag name="KSO_WM_UNIT_COMPATIBLE" val="0"/>
@@ -28456,7 +28327,7 @@
 </p:tagLst>
 </file>
 
-<file path=ppt/tags/tag95.xml><?xml version="1.0" encoding="utf-8"?>
+<file path=ppt/tags/tag94.xml><?xml version="1.0" encoding="utf-8"?>
 <p:tagLst xmlns:p="http://schemas.openxmlformats.org/presentationml/2006/main">
   <p:tag name="KSO_WM_UNIT_HIGHLIGHT" val="0"/>
   <p:tag name="KSO_WM_UNIT_COMPATIBLE" val="0"/>
@@ -28473,7 +28344,7 @@
 </p:tagLst>
 </file>
 
-<file path=ppt/tags/tag96.xml><?xml version="1.0" encoding="utf-8"?>
+<file path=ppt/tags/tag95.xml><?xml version="1.0" encoding="utf-8"?>
 <p:tagLst xmlns:p="http://schemas.openxmlformats.org/presentationml/2006/main">
   <p:tag name="KSO_WM_SLIDE_ID" val="custom20196575_4"/>
   <p:tag name="KSO_WM_TEMPLATE_SUBCATEGORY" val="0"/>
@@ -28492,7 +28363,7 @@
 </p:tagLst>
 </file>
 
-<file path=ppt/tags/tag97.xml><?xml version="1.0" encoding="utf-8"?>
+<file path=ppt/tags/tag96.xml><?xml version="1.0" encoding="utf-8"?>
 <p:tagLst xmlns:p="http://schemas.openxmlformats.org/presentationml/2006/main">
   <p:tag name="KSO_WM_UNIT_ISCONTENTSTITLE" val="0"/>
   <p:tag name="KSO_WM_UNIT_NOCLEAR" val="0"/>
@@ -28513,7 +28384,7 @@
 </p:tagLst>
 </file>
 
-<file path=ppt/tags/tag98.xml><?xml version="1.0" encoding="utf-8"?>
+<file path=ppt/tags/tag97.xml><?xml version="1.0" encoding="utf-8"?>
 <p:tagLst xmlns:p="http://schemas.openxmlformats.org/presentationml/2006/main">
   <p:tag name="KSO_WM_UNIT_NOCLEAR" val="0"/>
   <p:tag name="KSO_WM_UNIT_VALUE" val="2"/>
@@ -28533,7 +28404,7 @@
 </p:tagLst>
 </file>
 
-<file path=ppt/tags/tag99.xml><?xml version="1.0" encoding="utf-8"?>
+<file path=ppt/tags/tag98.xml><?xml version="1.0" encoding="utf-8"?>
 <p:tagLst xmlns:p="http://schemas.openxmlformats.org/presentationml/2006/main">
   <p:tag name="KSO_WM_SLIDE_ID" val="custom20196575_3"/>
   <p:tag name="KSO_WM_TEMPLATE_SUBCATEGORY" val="0"/>
@@ -28547,6 +28418,26 @@
   <p:tag name="KSO_WM_TEMPLATE_INDEX" val="20196575"/>
   <p:tag name="KSO_WM_SLIDE_LAYOUT" val="a_b_e"/>
   <p:tag name="KSO_WM_SLIDE_LAYOUT_CNT" val="1_1_1"/>
+</p:tagLst>
+</file>
+
+<file path=ppt/tags/tag99.xml><?xml version="1.0" encoding="utf-8"?>
+<p:tagLst xmlns:p="http://schemas.openxmlformats.org/presentationml/2006/main">
+  <p:tag name="KSO_WM_UNIT_NOCLEAR" val="0"/>
+  <p:tag name="KSO_WM_UNIT_VALUE" val="100"/>
+  <p:tag name="KSO_WM_UNIT_HIGHLIGHT" val="0"/>
+  <p:tag name="KSO_WM_UNIT_COMPATIBLE" val="0"/>
+  <p:tag name="KSO_WM_UNIT_DIAGRAM_ISNUMVISUAL" val="0"/>
+  <p:tag name="KSO_WM_UNIT_DIAGRAM_ISREFERUNIT" val="0"/>
+  <p:tag name="KSO_WM_UNIT_TYPE" val="h_f"/>
+  <p:tag name="KSO_WM_UNIT_INDEX" val="1_1"/>
+  <p:tag name="KSO_WM_UNIT_ID" val="custom20196575_5*h_f*1_1"/>
+  <p:tag name="KSO_WM_TEMPLATE_CATEGORY" val="custom"/>
+  <p:tag name="KSO_WM_TEMPLATE_INDEX" val="20196575"/>
+  <p:tag name="KSO_WM_UNIT_LAYERLEVEL" val="1_1"/>
+  <p:tag name="KSO_WM_TAG_VERSION" val="1.0"/>
+  <p:tag name="KSO_WM_BEAUTIFY_FLAG" val="#wm#"/>
+  <p:tag name="KSO_WM_UNIT_PRESET_TEXT" val="单击此处添加文本具体内容，简明扼要的阐述您的观点。根据需要可酌情增减文字，以便观者准确的理解您传达的思想。单击此处添加文本具体内容，简明扼要的阐述您的观点。根据需要可酌情增减文字，以便观者准确的理解您传达的思想。"/>
 </p:tagLst>
 </file>
 
